--- a/Document OCR Demo.pptx
+++ b/Document OCR Demo.pptx
@@ -4,11 +4,22 @@
   <p:sldMasterIdLst>
     <p:sldMasterId id="2147483648" r:id="rId1"/>
   </p:sldMasterIdLst>
+  <p:notesMasterIdLst>
+    <p:notesMasterId r:id="rId14"/>
+  </p:notesMasterIdLst>
   <p:sldIdLst>
     <p:sldId id="256" r:id="rId2"/>
-    <p:sldId id="258" r:id="rId3"/>
-    <p:sldId id="257" r:id="rId4"/>
-    <p:sldId id="259" r:id="rId5"/>
+    <p:sldId id="260" r:id="rId3"/>
+    <p:sldId id="258" r:id="rId4"/>
+    <p:sldId id="262" r:id="rId5"/>
+    <p:sldId id="263" r:id="rId6"/>
+    <p:sldId id="257" r:id="rId7"/>
+    <p:sldId id="259" r:id="rId8"/>
+    <p:sldId id="267" r:id="rId9"/>
+    <p:sldId id="261" r:id="rId10"/>
+    <p:sldId id="264" r:id="rId11"/>
+    <p:sldId id="265" r:id="rId12"/>
+    <p:sldId id="266" r:id="rId13"/>
   </p:sldIdLst>
   <p:sldSz cx="12192000" cy="6858000"/>
   <p:notesSz cx="6858000" cy="9144000"/>
@@ -113,19 +124,494 @@
         <p14:section name="Default Section" id="{1B4A7287-B1B8-4F53-98DE-5DE95374353E}">
           <p14:sldIdLst>
             <p14:sldId id="256"/>
+            <p14:sldId id="260"/>
           </p14:sldIdLst>
         </p14:section>
         <p14:section name="ID Scanning" id="{462A614E-ABAA-4E94-AB93-B7481605DDFF}">
           <p14:sldIdLst>
             <p14:sldId id="258"/>
+            <p14:sldId id="262"/>
+            <p14:sldId id="263"/>
             <p14:sldId id="257"/>
             <p14:sldId id="259"/>
+            <p14:sldId id="267"/>
+          </p14:sldIdLst>
+        </p14:section>
+        <p14:section name="Car Plate recogniser" id="{CF4DEEFE-2312-43D5-BA87-9965CD9825D5}">
+          <p14:sldIdLst>
+            <p14:sldId id="261"/>
+            <p14:sldId id="264"/>
+            <p14:sldId id="265"/>
+            <p14:sldId id="266"/>
           </p14:sldIdLst>
         </p14:section>
       </p14:sectionLst>
     </p:ext>
+    <p:ext uri="{EFAFB233-063F-42B5-8137-9DF3F51BA10A}">
+      <p15:sldGuideLst xmlns:p15="http://schemas.microsoft.com/office/powerpoint/2012/main"/>
+    </p:ext>
   </p:extLst>
 </p:presentation>
+</file>
+
+<file path=ppt/notesMasters/notesMaster1.xml><?xml version="1.0" encoding="utf-8"?>
+<p:notesMaster xmlns:a="http://schemas.openxmlformats.org/drawingml/2006/main" xmlns:r="http://schemas.openxmlformats.org/officeDocument/2006/relationships" xmlns:p="http://schemas.openxmlformats.org/presentationml/2006/main">
+  <p:cSld>
+    <p:bg>
+      <p:bgRef idx="1001">
+        <a:schemeClr val="bg1"/>
+      </p:bgRef>
+    </p:bg>
+    <p:spTree>
+      <p:nvGrpSpPr>
+        <p:cNvPr id="1" name=""/>
+        <p:cNvGrpSpPr/>
+        <p:nvPr/>
+      </p:nvGrpSpPr>
+      <p:grpSpPr>
+        <a:xfrm>
+          <a:off x="0" y="0"/>
+          <a:ext cx="0" cy="0"/>
+          <a:chOff x="0" y="0"/>
+          <a:chExt cx="0" cy="0"/>
+        </a:xfrm>
+      </p:grpSpPr>
+      <p:sp>
+        <p:nvSpPr>
+          <p:cNvPr id="2" name="Header Placeholder 1"/>
+          <p:cNvSpPr>
+            <a:spLocks noGrp="1"/>
+          </p:cNvSpPr>
+          <p:nvPr>
+            <p:ph type="hdr" sz="quarter"/>
+          </p:nvPr>
+        </p:nvSpPr>
+        <p:spPr>
+          <a:xfrm>
+            <a:off x="0" y="0"/>
+            <a:ext cx="2971800" cy="458788"/>
+          </a:xfrm>
+          <a:prstGeom prst="rect">
+            <a:avLst/>
+          </a:prstGeom>
+        </p:spPr>
+        <p:txBody>
+          <a:bodyPr vert="horz" lIns="91440" tIns="45720" rIns="91440" bIns="45720" rtlCol="0"/>
+          <a:lstStyle>
+            <a:lvl1pPr algn="l">
+              <a:defRPr sz="1200"/>
+            </a:lvl1pPr>
+          </a:lstStyle>
+          <a:p>
+            <a:endParaRPr lang="en-IE"/>
+          </a:p>
+        </p:txBody>
+      </p:sp>
+      <p:sp>
+        <p:nvSpPr>
+          <p:cNvPr id="3" name="Date Placeholder 2"/>
+          <p:cNvSpPr>
+            <a:spLocks noGrp="1"/>
+          </p:cNvSpPr>
+          <p:nvPr>
+            <p:ph type="dt" idx="1"/>
+          </p:nvPr>
+        </p:nvSpPr>
+        <p:spPr>
+          <a:xfrm>
+            <a:off x="3884613" y="0"/>
+            <a:ext cx="2971800" cy="458788"/>
+          </a:xfrm>
+          <a:prstGeom prst="rect">
+            <a:avLst/>
+          </a:prstGeom>
+        </p:spPr>
+        <p:txBody>
+          <a:bodyPr vert="horz" lIns="91440" tIns="45720" rIns="91440" bIns="45720" rtlCol="0"/>
+          <a:lstStyle>
+            <a:lvl1pPr algn="r">
+              <a:defRPr sz="1200"/>
+            </a:lvl1pPr>
+          </a:lstStyle>
+          <a:p>
+            <a:fld id="{F4B0AA95-BEE9-433E-86AF-6C7784B09683}" type="datetimeFigureOut">
+              <a:rPr lang="en-IE" smtClean="0"/>
+              <a:t>19/03/2024</a:t>
+            </a:fld>
+            <a:endParaRPr lang="en-IE"/>
+          </a:p>
+        </p:txBody>
+      </p:sp>
+      <p:sp>
+        <p:nvSpPr>
+          <p:cNvPr id="4" name="Slide Image Placeholder 3"/>
+          <p:cNvSpPr>
+            <a:spLocks noGrp="1" noRot="1" noChangeAspect="1"/>
+          </p:cNvSpPr>
+          <p:nvPr>
+            <p:ph type="sldImg" idx="2"/>
+          </p:nvPr>
+        </p:nvSpPr>
+        <p:spPr>
+          <a:xfrm>
+            <a:off x="685800" y="1143000"/>
+            <a:ext cx="5486400" cy="3086100"/>
+          </a:xfrm>
+          <a:prstGeom prst="rect">
+            <a:avLst/>
+          </a:prstGeom>
+          <a:noFill/>
+          <a:ln w="12700">
+            <a:solidFill>
+              <a:prstClr val="black"/>
+            </a:solidFill>
+          </a:ln>
+        </p:spPr>
+        <p:txBody>
+          <a:bodyPr vert="horz" lIns="91440" tIns="45720" rIns="91440" bIns="45720" rtlCol="0" anchor="ctr"/>
+          <a:lstStyle/>
+          <a:p>
+            <a:endParaRPr lang="en-IE"/>
+          </a:p>
+        </p:txBody>
+      </p:sp>
+      <p:sp>
+        <p:nvSpPr>
+          <p:cNvPr id="5" name="Notes Placeholder 4"/>
+          <p:cNvSpPr>
+            <a:spLocks noGrp="1"/>
+          </p:cNvSpPr>
+          <p:nvPr>
+            <p:ph type="body" sz="quarter" idx="3"/>
+          </p:nvPr>
+        </p:nvSpPr>
+        <p:spPr>
+          <a:xfrm>
+            <a:off x="685800" y="4400550"/>
+            <a:ext cx="5486400" cy="3600450"/>
+          </a:xfrm>
+          <a:prstGeom prst="rect">
+            <a:avLst/>
+          </a:prstGeom>
+        </p:spPr>
+        <p:txBody>
+          <a:bodyPr vert="horz" lIns="91440" tIns="45720" rIns="91440" bIns="45720" rtlCol="0"/>
+          <a:lstStyle/>
+          <a:p>
+            <a:pPr lvl="0"/>
+            <a:r>
+              <a:rPr lang="en-US"/>
+              <a:t>Click to edit Master text styles</a:t>
+            </a:r>
+          </a:p>
+          <a:p>
+            <a:pPr lvl="1"/>
+            <a:r>
+              <a:rPr lang="en-US"/>
+              <a:t>Second level</a:t>
+            </a:r>
+          </a:p>
+          <a:p>
+            <a:pPr lvl="2"/>
+            <a:r>
+              <a:rPr lang="en-US"/>
+              <a:t>Third level</a:t>
+            </a:r>
+          </a:p>
+          <a:p>
+            <a:pPr lvl="3"/>
+            <a:r>
+              <a:rPr lang="en-US"/>
+              <a:t>Fourth level</a:t>
+            </a:r>
+          </a:p>
+          <a:p>
+            <a:pPr lvl="4"/>
+            <a:r>
+              <a:rPr lang="en-US"/>
+              <a:t>Fifth level</a:t>
+            </a:r>
+            <a:endParaRPr lang="en-IE"/>
+          </a:p>
+        </p:txBody>
+      </p:sp>
+      <p:sp>
+        <p:nvSpPr>
+          <p:cNvPr id="6" name="Footer Placeholder 5"/>
+          <p:cNvSpPr>
+            <a:spLocks noGrp="1"/>
+          </p:cNvSpPr>
+          <p:nvPr>
+            <p:ph type="ftr" sz="quarter" idx="4"/>
+          </p:nvPr>
+        </p:nvSpPr>
+        <p:spPr>
+          <a:xfrm>
+            <a:off x="0" y="8685213"/>
+            <a:ext cx="2971800" cy="458787"/>
+          </a:xfrm>
+          <a:prstGeom prst="rect">
+            <a:avLst/>
+          </a:prstGeom>
+        </p:spPr>
+        <p:txBody>
+          <a:bodyPr vert="horz" lIns="91440" tIns="45720" rIns="91440" bIns="45720" rtlCol="0" anchor="b"/>
+          <a:lstStyle>
+            <a:lvl1pPr algn="l">
+              <a:defRPr sz="1200"/>
+            </a:lvl1pPr>
+          </a:lstStyle>
+          <a:p>
+            <a:endParaRPr lang="en-IE"/>
+          </a:p>
+        </p:txBody>
+      </p:sp>
+      <p:sp>
+        <p:nvSpPr>
+          <p:cNvPr id="7" name="Slide Number Placeholder 6"/>
+          <p:cNvSpPr>
+            <a:spLocks noGrp="1"/>
+          </p:cNvSpPr>
+          <p:nvPr>
+            <p:ph type="sldNum" sz="quarter" idx="5"/>
+          </p:nvPr>
+        </p:nvSpPr>
+        <p:spPr>
+          <a:xfrm>
+            <a:off x="3884613" y="8685213"/>
+            <a:ext cx="2971800" cy="458787"/>
+          </a:xfrm>
+          <a:prstGeom prst="rect">
+            <a:avLst/>
+          </a:prstGeom>
+        </p:spPr>
+        <p:txBody>
+          <a:bodyPr vert="horz" lIns="91440" tIns="45720" rIns="91440" bIns="45720" rtlCol="0" anchor="b"/>
+          <a:lstStyle>
+            <a:lvl1pPr algn="r">
+              <a:defRPr sz="1200"/>
+            </a:lvl1pPr>
+          </a:lstStyle>
+          <a:p>
+            <a:fld id="{98D6D1CA-F06C-4BAC-BBFE-438176DC3173}" type="slidenum">
+              <a:rPr lang="en-IE" smtClean="0"/>
+              <a:t>‹#›</a:t>
+            </a:fld>
+            <a:endParaRPr lang="en-IE"/>
+          </a:p>
+        </p:txBody>
+      </p:sp>
+    </p:spTree>
+    <p:extLst>
+      <p:ext uri="{BB962C8B-B14F-4D97-AF65-F5344CB8AC3E}">
+        <p14:creationId xmlns:p14="http://schemas.microsoft.com/office/powerpoint/2010/main" val="2682982886"/>
+      </p:ext>
+    </p:extLst>
+  </p:cSld>
+  <p:clrMap bg1="lt1" tx1="dk1" bg2="lt2" tx2="dk2" accent1="accent1" accent2="accent2" accent3="accent3" accent4="accent4" accent5="accent5" accent6="accent6" hlink="hlink" folHlink="folHlink"/>
+  <p:notesStyle>
+    <a:lvl1pPr marL="0" algn="l" defTabSz="914400" rtl="0" eaLnBrk="1" latinLnBrk="0" hangingPunct="1">
+      <a:defRPr sz="1200" kern="1200">
+        <a:solidFill>
+          <a:schemeClr val="tx1"/>
+        </a:solidFill>
+        <a:latin typeface="+mn-lt"/>
+        <a:ea typeface="+mn-ea"/>
+        <a:cs typeface="+mn-cs"/>
+      </a:defRPr>
+    </a:lvl1pPr>
+    <a:lvl2pPr marL="457200" algn="l" defTabSz="914400" rtl="0" eaLnBrk="1" latinLnBrk="0" hangingPunct="1">
+      <a:defRPr sz="1200" kern="1200">
+        <a:solidFill>
+          <a:schemeClr val="tx1"/>
+        </a:solidFill>
+        <a:latin typeface="+mn-lt"/>
+        <a:ea typeface="+mn-ea"/>
+        <a:cs typeface="+mn-cs"/>
+      </a:defRPr>
+    </a:lvl2pPr>
+    <a:lvl3pPr marL="914400" algn="l" defTabSz="914400" rtl="0" eaLnBrk="1" latinLnBrk="0" hangingPunct="1">
+      <a:defRPr sz="1200" kern="1200">
+        <a:solidFill>
+          <a:schemeClr val="tx1"/>
+        </a:solidFill>
+        <a:latin typeface="+mn-lt"/>
+        <a:ea typeface="+mn-ea"/>
+        <a:cs typeface="+mn-cs"/>
+      </a:defRPr>
+    </a:lvl3pPr>
+    <a:lvl4pPr marL="1371600" algn="l" defTabSz="914400" rtl="0" eaLnBrk="1" latinLnBrk="0" hangingPunct="1">
+      <a:defRPr sz="1200" kern="1200">
+        <a:solidFill>
+          <a:schemeClr val="tx1"/>
+        </a:solidFill>
+        <a:latin typeface="+mn-lt"/>
+        <a:ea typeface="+mn-ea"/>
+        <a:cs typeface="+mn-cs"/>
+      </a:defRPr>
+    </a:lvl4pPr>
+    <a:lvl5pPr marL="1828800" algn="l" defTabSz="914400" rtl="0" eaLnBrk="1" latinLnBrk="0" hangingPunct="1">
+      <a:defRPr sz="1200" kern="1200">
+        <a:solidFill>
+          <a:schemeClr val="tx1"/>
+        </a:solidFill>
+        <a:latin typeface="+mn-lt"/>
+        <a:ea typeface="+mn-ea"/>
+        <a:cs typeface="+mn-cs"/>
+      </a:defRPr>
+    </a:lvl5pPr>
+    <a:lvl6pPr marL="2286000" algn="l" defTabSz="914400" rtl="0" eaLnBrk="1" latinLnBrk="0" hangingPunct="1">
+      <a:defRPr sz="1200" kern="1200">
+        <a:solidFill>
+          <a:schemeClr val="tx1"/>
+        </a:solidFill>
+        <a:latin typeface="+mn-lt"/>
+        <a:ea typeface="+mn-ea"/>
+        <a:cs typeface="+mn-cs"/>
+      </a:defRPr>
+    </a:lvl6pPr>
+    <a:lvl7pPr marL="2743200" algn="l" defTabSz="914400" rtl="0" eaLnBrk="1" latinLnBrk="0" hangingPunct="1">
+      <a:defRPr sz="1200" kern="1200">
+        <a:solidFill>
+          <a:schemeClr val="tx1"/>
+        </a:solidFill>
+        <a:latin typeface="+mn-lt"/>
+        <a:ea typeface="+mn-ea"/>
+        <a:cs typeface="+mn-cs"/>
+      </a:defRPr>
+    </a:lvl7pPr>
+    <a:lvl8pPr marL="3200400" algn="l" defTabSz="914400" rtl="0" eaLnBrk="1" latinLnBrk="0" hangingPunct="1">
+      <a:defRPr sz="1200" kern="1200">
+        <a:solidFill>
+          <a:schemeClr val="tx1"/>
+        </a:solidFill>
+        <a:latin typeface="+mn-lt"/>
+        <a:ea typeface="+mn-ea"/>
+        <a:cs typeface="+mn-cs"/>
+      </a:defRPr>
+    </a:lvl8pPr>
+    <a:lvl9pPr marL="3657600" algn="l" defTabSz="914400" rtl="0" eaLnBrk="1" latinLnBrk="0" hangingPunct="1">
+      <a:defRPr sz="1200" kern="1200">
+        <a:solidFill>
+          <a:schemeClr val="tx1"/>
+        </a:solidFill>
+        <a:latin typeface="+mn-lt"/>
+        <a:ea typeface="+mn-ea"/>
+        <a:cs typeface="+mn-cs"/>
+      </a:defRPr>
+    </a:lvl9pPr>
+  </p:notesStyle>
+</p:notesMaster>
+</file>
+
+<file path=ppt/notesSlides/notesSlide1.xml><?xml version="1.0" encoding="utf-8"?>
+<p:notes xmlns:a="http://schemas.openxmlformats.org/drawingml/2006/main" xmlns:r="http://schemas.openxmlformats.org/officeDocument/2006/relationships" xmlns:p="http://schemas.openxmlformats.org/presentationml/2006/main">
+  <p:cSld>
+    <p:spTree>
+      <p:nvGrpSpPr>
+        <p:cNvPr id="1" name=""/>
+        <p:cNvGrpSpPr/>
+        <p:nvPr/>
+      </p:nvGrpSpPr>
+      <p:grpSpPr>
+        <a:xfrm>
+          <a:off x="0" y="0"/>
+          <a:ext cx="0" cy="0"/>
+          <a:chOff x="0" y="0"/>
+          <a:chExt cx="0" cy="0"/>
+        </a:xfrm>
+      </p:grpSpPr>
+      <p:sp>
+        <p:nvSpPr>
+          <p:cNvPr id="2" name="Slide Image Placeholder 1"/>
+          <p:cNvSpPr>
+            <a:spLocks noGrp="1" noRot="1" noChangeAspect="1"/>
+          </p:cNvSpPr>
+          <p:nvPr>
+            <p:ph type="sldImg"/>
+          </p:nvPr>
+        </p:nvSpPr>
+        <p:spPr/>
+      </p:sp>
+      <p:sp>
+        <p:nvSpPr>
+          <p:cNvPr id="3" name="Notes Placeholder 2"/>
+          <p:cNvSpPr>
+            <a:spLocks noGrp="1"/>
+          </p:cNvSpPr>
+          <p:nvPr>
+            <p:ph type="body" idx="1"/>
+          </p:nvPr>
+        </p:nvSpPr>
+        <p:spPr/>
+        <p:txBody>
+          <a:bodyPr/>
+          <a:lstStyle/>
+          <a:p>
+            <a:pPr marL="0" marR="0" lvl="0" indent="0" algn="l" defTabSz="914400" rtl="0" eaLnBrk="1" fontAlgn="auto" latinLnBrk="0" hangingPunct="1">
+              <a:lnSpc>
+                <a:spcPct val="100000"/>
+              </a:lnSpc>
+              <a:spcBef>
+                <a:spcPts val="0"/>
+              </a:spcBef>
+              <a:spcAft>
+                <a:spcPts val="0"/>
+              </a:spcAft>
+              <a:buClrTx/>
+              <a:buSzTx/>
+              <a:buFontTx/>
+              <a:buNone/>
+              <a:tabLst/>
+              <a:defRPr/>
+            </a:pPr>
+            <a:r>
+              <a:rPr lang="en-IE" dirty="0">
+                <a:hlinkClick r:id="rId3"/>
+              </a:rPr>
+              <a:t>https://github.com/nfmoore/automatic-number-plate-recognition-poc</a:t>
+            </a:r>
+            <a:endParaRPr lang="en-IE" dirty="0"/>
+          </a:p>
+          <a:p>
+            <a:endParaRPr lang="en-IE" dirty="0"/>
+          </a:p>
+        </p:txBody>
+      </p:sp>
+      <p:sp>
+        <p:nvSpPr>
+          <p:cNvPr id="4" name="Slide Number Placeholder 3"/>
+          <p:cNvSpPr>
+            <a:spLocks noGrp="1"/>
+          </p:cNvSpPr>
+          <p:nvPr>
+            <p:ph type="sldNum" sz="quarter" idx="5"/>
+          </p:nvPr>
+        </p:nvSpPr>
+        <p:spPr/>
+        <p:txBody>
+          <a:bodyPr/>
+          <a:lstStyle/>
+          <a:p>
+            <a:fld id="{98D6D1CA-F06C-4BAC-BBFE-438176DC3173}" type="slidenum">
+              <a:rPr lang="en-IE" smtClean="0"/>
+              <a:t>12</a:t>
+            </a:fld>
+            <a:endParaRPr lang="en-IE"/>
+          </a:p>
+        </p:txBody>
+      </p:sp>
+    </p:spTree>
+    <p:extLst>
+      <p:ext uri="{BB962C8B-B14F-4D97-AF65-F5344CB8AC3E}">
+        <p14:creationId xmlns:p14="http://schemas.microsoft.com/office/powerpoint/2010/main" val="310862075"/>
+      </p:ext>
+    </p:extLst>
+  </p:cSld>
+  <p:clrMapOvr>
+    <a:masterClrMapping/>
+  </p:clrMapOvr>
+</p:notes>
 </file>
 
 <file path=ppt/slideLayouts/slideLayout1.xml><?xml version="1.0" encoding="utf-8"?>
@@ -277,7 +763,7 @@
           <a:p>
             <a:fld id="{188732FF-DC54-407F-B196-54845B146FCB}" type="datetimeFigureOut">
               <a:rPr lang="en-IE" smtClean="0"/>
-              <a:t>08/03/2024</a:t>
+              <a:t>19/03/2024</a:t>
             </a:fld>
             <a:endParaRPr lang="en-IE"/>
           </a:p>
@@ -477,7 +963,7 @@
           <a:p>
             <a:fld id="{188732FF-DC54-407F-B196-54845B146FCB}" type="datetimeFigureOut">
               <a:rPr lang="en-IE" smtClean="0"/>
-              <a:t>08/03/2024</a:t>
+              <a:t>19/03/2024</a:t>
             </a:fld>
             <a:endParaRPr lang="en-IE"/>
           </a:p>
@@ -687,7 +1173,7 @@
           <a:p>
             <a:fld id="{188732FF-DC54-407F-B196-54845B146FCB}" type="datetimeFigureOut">
               <a:rPr lang="en-IE" smtClean="0"/>
-              <a:t>08/03/2024</a:t>
+              <a:t>19/03/2024</a:t>
             </a:fld>
             <a:endParaRPr lang="en-IE"/>
           </a:p>
@@ -887,7 +1373,7 @@
           <a:p>
             <a:fld id="{188732FF-DC54-407F-B196-54845B146FCB}" type="datetimeFigureOut">
               <a:rPr lang="en-IE" smtClean="0"/>
-              <a:t>08/03/2024</a:t>
+              <a:t>19/03/2024</a:t>
             </a:fld>
             <a:endParaRPr lang="en-IE"/>
           </a:p>
@@ -1163,7 +1649,7 @@
           <a:p>
             <a:fld id="{188732FF-DC54-407F-B196-54845B146FCB}" type="datetimeFigureOut">
               <a:rPr lang="en-IE" smtClean="0"/>
-              <a:t>08/03/2024</a:t>
+              <a:t>19/03/2024</a:t>
             </a:fld>
             <a:endParaRPr lang="en-IE"/>
           </a:p>
@@ -1431,7 +1917,7 @@
           <a:p>
             <a:fld id="{188732FF-DC54-407F-B196-54845B146FCB}" type="datetimeFigureOut">
               <a:rPr lang="en-IE" smtClean="0"/>
-              <a:t>08/03/2024</a:t>
+              <a:t>19/03/2024</a:t>
             </a:fld>
             <a:endParaRPr lang="en-IE"/>
           </a:p>
@@ -1846,7 +2332,7 @@
           <a:p>
             <a:fld id="{188732FF-DC54-407F-B196-54845B146FCB}" type="datetimeFigureOut">
               <a:rPr lang="en-IE" smtClean="0"/>
-              <a:t>08/03/2024</a:t>
+              <a:t>19/03/2024</a:t>
             </a:fld>
             <a:endParaRPr lang="en-IE"/>
           </a:p>
@@ -1988,7 +2474,7 @@
           <a:p>
             <a:fld id="{188732FF-DC54-407F-B196-54845B146FCB}" type="datetimeFigureOut">
               <a:rPr lang="en-IE" smtClean="0"/>
-              <a:t>08/03/2024</a:t>
+              <a:t>19/03/2024</a:t>
             </a:fld>
             <a:endParaRPr lang="en-IE"/>
           </a:p>
@@ -2101,7 +2587,7 @@
           <a:p>
             <a:fld id="{188732FF-DC54-407F-B196-54845B146FCB}" type="datetimeFigureOut">
               <a:rPr lang="en-IE" smtClean="0"/>
-              <a:t>08/03/2024</a:t>
+              <a:t>19/03/2024</a:t>
             </a:fld>
             <a:endParaRPr lang="en-IE"/>
           </a:p>
@@ -2414,7 +2900,7 @@
           <a:p>
             <a:fld id="{188732FF-DC54-407F-B196-54845B146FCB}" type="datetimeFigureOut">
               <a:rPr lang="en-IE" smtClean="0"/>
-              <a:t>08/03/2024</a:t>
+              <a:t>19/03/2024</a:t>
             </a:fld>
             <a:endParaRPr lang="en-IE"/>
           </a:p>
@@ -2703,7 +3189,7 @@
           <a:p>
             <a:fld id="{188732FF-DC54-407F-B196-54845B146FCB}" type="datetimeFigureOut">
               <a:rPr lang="en-IE" smtClean="0"/>
-              <a:t>08/03/2024</a:t>
+              <a:t>19/03/2024</a:t>
             </a:fld>
             <a:endParaRPr lang="en-IE"/>
           </a:p>
@@ -2946,7 +3432,7 @@
           <a:p>
             <a:fld id="{188732FF-DC54-407F-B196-54845B146FCB}" type="datetimeFigureOut">
               <a:rPr lang="en-IE" smtClean="0"/>
-              <a:t>08/03/2024</a:t>
+              <a:t>19/03/2024</a:t>
             </a:fld>
             <a:endParaRPr lang="en-IE"/>
           </a:p>
@@ -3426,6 +3912,339 @@
 </p:sld>
 </file>
 
+<file path=ppt/slides/slide10.xml><?xml version="1.0" encoding="utf-8"?>
+<p:sld xmlns:a="http://schemas.openxmlformats.org/drawingml/2006/main" xmlns:r="http://schemas.openxmlformats.org/officeDocument/2006/relationships" xmlns:p="http://schemas.openxmlformats.org/presentationml/2006/main">
+  <p:cSld>
+    <p:spTree>
+      <p:nvGrpSpPr>
+        <p:cNvPr id="1" name=""/>
+        <p:cNvGrpSpPr/>
+        <p:nvPr/>
+      </p:nvGrpSpPr>
+      <p:grpSpPr>
+        <a:xfrm>
+          <a:off x="0" y="0"/>
+          <a:ext cx="0" cy="0"/>
+          <a:chOff x="0" y="0"/>
+          <a:chExt cx="0" cy="0"/>
+        </a:xfrm>
+      </p:grpSpPr>
+      <p:sp>
+        <p:nvSpPr>
+          <p:cNvPr id="2" name="Title 1">
+            <a:extLst>
+              <a:ext uri="{FF2B5EF4-FFF2-40B4-BE49-F238E27FC236}">
+                <a16:creationId xmlns:a16="http://schemas.microsoft.com/office/drawing/2014/main" id="{38DC1EDD-64BB-6EE9-EDF7-9E41511B317E}"/>
+              </a:ext>
+            </a:extLst>
+          </p:cNvPr>
+          <p:cNvSpPr>
+            <a:spLocks noGrp="1"/>
+          </p:cNvSpPr>
+          <p:nvPr>
+            <p:ph type="title"/>
+          </p:nvPr>
+        </p:nvSpPr>
+        <p:spPr/>
+        <p:txBody>
+          <a:bodyPr/>
+          <a:lstStyle/>
+          <a:p>
+            <a:r>
+              <a:rPr lang="en-IE" dirty="0" err="1"/>
+              <a:t>Prereq</a:t>
+            </a:r>
+            <a:endParaRPr lang="en-IE" dirty="0"/>
+          </a:p>
+        </p:txBody>
+      </p:sp>
+      <p:sp>
+        <p:nvSpPr>
+          <p:cNvPr id="3" name="Content Placeholder 2">
+            <a:extLst>
+              <a:ext uri="{FF2B5EF4-FFF2-40B4-BE49-F238E27FC236}">
+                <a16:creationId xmlns:a16="http://schemas.microsoft.com/office/drawing/2014/main" id="{9A9C8615-14A7-810A-D2D3-5FFD15A752F2}"/>
+              </a:ext>
+            </a:extLst>
+          </p:cNvPr>
+          <p:cNvSpPr>
+            <a:spLocks noGrp="1"/>
+          </p:cNvSpPr>
+          <p:nvPr>
+            <p:ph idx="1"/>
+          </p:nvPr>
+        </p:nvSpPr>
+        <p:spPr/>
+        <p:txBody>
+          <a:bodyPr>
+            <a:normAutofit lnSpcReduction="10000"/>
+          </a:bodyPr>
+          <a:lstStyle/>
+          <a:p>
+            <a:pPr marL="0" indent="0">
+              <a:buNone/>
+            </a:pPr>
+            <a:r>
+              <a:rPr lang="en-IE" b="1" dirty="0"/>
+              <a:t>Azure</a:t>
+            </a:r>
+          </a:p>
+          <a:p>
+            <a:r>
+              <a:rPr lang="en-IE" dirty="0"/>
+              <a:t>Create “Computer Vision” service</a:t>
+            </a:r>
+          </a:p>
+          <a:p>
+            <a:r>
+              <a:rPr lang="en-IE" dirty="0"/>
+              <a:t>Create Azure Machine Learning service</a:t>
+            </a:r>
+          </a:p>
+          <a:p>
+            <a:endParaRPr lang="en-IE" dirty="0"/>
+          </a:p>
+          <a:p>
+            <a:pPr marL="0" indent="0">
+              <a:buNone/>
+            </a:pPr>
+            <a:r>
+              <a:rPr lang="en-IE" dirty="0"/>
+              <a:t>Dev Machine</a:t>
+            </a:r>
+          </a:p>
+          <a:p>
+            <a:r>
+              <a:rPr lang="en-IE" dirty="0"/>
+              <a:t>The demo is using Anaconda notebooks</a:t>
+            </a:r>
+          </a:p>
+          <a:p>
+            <a:r>
+              <a:rPr lang="en-IE" dirty="0"/>
+              <a:t>Alternatively</a:t>
+            </a:r>
+          </a:p>
+          <a:p>
+            <a:pPr lvl="1"/>
+            <a:r>
+              <a:rPr lang="en-IE" dirty="0"/>
+              <a:t>VS Code locally – requires Anaconda environment</a:t>
+            </a:r>
+          </a:p>
+          <a:p>
+            <a:pPr lvl="1"/>
+            <a:r>
+              <a:rPr lang="en-IE" dirty="0"/>
+              <a:t>VS Code on the web – requires Jupiter Server to run notebooks</a:t>
+            </a:r>
+          </a:p>
+          <a:p>
+            <a:pPr lvl="1"/>
+            <a:r>
+              <a:rPr lang="en-IE" dirty="0"/>
+              <a:t>Azure Machine Learning </a:t>
+            </a:r>
+          </a:p>
+          <a:p>
+            <a:endParaRPr lang="en-IE" dirty="0"/>
+          </a:p>
+        </p:txBody>
+      </p:sp>
+    </p:spTree>
+    <p:extLst>
+      <p:ext uri="{BB962C8B-B14F-4D97-AF65-F5344CB8AC3E}">
+        <p14:creationId xmlns:p14="http://schemas.microsoft.com/office/powerpoint/2010/main" val="851035331"/>
+      </p:ext>
+    </p:extLst>
+  </p:cSld>
+  <p:clrMapOvr>
+    <a:masterClrMapping/>
+  </p:clrMapOvr>
+</p:sld>
+</file>
+
+<file path=ppt/slides/slide11.xml><?xml version="1.0" encoding="utf-8"?>
+<p:sld xmlns:a="http://schemas.openxmlformats.org/drawingml/2006/main" xmlns:r="http://schemas.openxmlformats.org/officeDocument/2006/relationships" xmlns:p="http://schemas.openxmlformats.org/presentationml/2006/main">
+  <p:cSld>
+    <p:spTree>
+      <p:nvGrpSpPr>
+        <p:cNvPr id="1" name=""/>
+        <p:cNvGrpSpPr/>
+        <p:nvPr/>
+      </p:nvGrpSpPr>
+      <p:grpSpPr>
+        <a:xfrm>
+          <a:off x="0" y="0"/>
+          <a:ext cx="0" cy="0"/>
+          <a:chOff x="0" y="0"/>
+          <a:chExt cx="0" cy="0"/>
+        </a:xfrm>
+      </p:grpSpPr>
+      <p:sp>
+        <p:nvSpPr>
+          <p:cNvPr id="2" name="Title 1">
+            <a:extLst>
+              <a:ext uri="{FF2B5EF4-FFF2-40B4-BE49-F238E27FC236}">
+                <a16:creationId xmlns:a16="http://schemas.microsoft.com/office/drawing/2014/main" id="{28EAEF14-7E4F-7631-FF62-9C5EAB5C8B07}"/>
+              </a:ext>
+            </a:extLst>
+          </p:cNvPr>
+          <p:cNvSpPr>
+            <a:spLocks noGrp="1"/>
+          </p:cNvSpPr>
+          <p:nvPr>
+            <p:ph type="title"/>
+          </p:nvPr>
+        </p:nvSpPr>
+        <p:spPr/>
+        <p:txBody>
+          <a:bodyPr/>
+          <a:lstStyle/>
+          <a:p>
+            <a:endParaRPr lang="en-IE"/>
+          </a:p>
+        </p:txBody>
+      </p:sp>
+      <p:sp>
+        <p:nvSpPr>
+          <p:cNvPr id="3" name="Content Placeholder 2">
+            <a:extLst>
+              <a:ext uri="{FF2B5EF4-FFF2-40B4-BE49-F238E27FC236}">
+                <a16:creationId xmlns:a16="http://schemas.microsoft.com/office/drawing/2014/main" id="{C5491E6F-EFE3-1EE6-DD9B-78B8CCCEB0FB}"/>
+              </a:ext>
+            </a:extLst>
+          </p:cNvPr>
+          <p:cNvSpPr>
+            <a:spLocks noGrp="1"/>
+          </p:cNvSpPr>
+          <p:nvPr>
+            <p:ph idx="1"/>
+          </p:nvPr>
+        </p:nvSpPr>
+        <p:spPr/>
+        <p:txBody>
+          <a:bodyPr/>
+          <a:lstStyle/>
+          <a:p>
+            <a:r>
+              <a:rPr lang="en-IE" dirty="0">
+                <a:hlinkClick r:id="rId2"/>
+              </a:rPr>
+              <a:t>https://github.com/nfmoore/automatic-number-plate-recognition-poc</a:t>
+            </a:r>
+            <a:endParaRPr lang="en-IE" dirty="0"/>
+          </a:p>
+          <a:p>
+            <a:endParaRPr lang="en-IE" dirty="0"/>
+          </a:p>
+        </p:txBody>
+      </p:sp>
+    </p:spTree>
+    <p:extLst>
+      <p:ext uri="{BB962C8B-B14F-4D97-AF65-F5344CB8AC3E}">
+        <p14:creationId xmlns:p14="http://schemas.microsoft.com/office/powerpoint/2010/main" val="803390823"/>
+      </p:ext>
+    </p:extLst>
+  </p:cSld>
+  <p:clrMapOvr>
+    <a:masterClrMapping/>
+  </p:clrMapOvr>
+</p:sld>
+</file>
+
+<file path=ppt/slides/slide12.xml><?xml version="1.0" encoding="utf-8"?>
+<p:sld xmlns:a="http://schemas.openxmlformats.org/drawingml/2006/main" xmlns:r="http://schemas.openxmlformats.org/officeDocument/2006/relationships" xmlns:p="http://schemas.openxmlformats.org/presentationml/2006/main">
+  <p:cSld>
+    <p:spTree>
+      <p:nvGrpSpPr>
+        <p:cNvPr id="1" name=""/>
+        <p:cNvGrpSpPr/>
+        <p:nvPr/>
+      </p:nvGrpSpPr>
+      <p:grpSpPr>
+        <a:xfrm>
+          <a:off x="0" y="0"/>
+          <a:ext cx="0" cy="0"/>
+          <a:chOff x="0" y="0"/>
+          <a:chExt cx="0" cy="0"/>
+        </a:xfrm>
+      </p:grpSpPr>
+      <p:sp>
+        <p:nvSpPr>
+          <p:cNvPr id="2" name="Title 1">
+            <a:extLst>
+              <a:ext uri="{FF2B5EF4-FFF2-40B4-BE49-F238E27FC236}">
+                <a16:creationId xmlns:a16="http://schemas.microsoft.com/office/drawing/2014/main" id="{1039E0B1-2AF5-9288-22BE-14A829494349}"/>
+              </a:ext>
+            </a:extLst>
+          </p:cNvPr>
+          <p:cNvSpPr>
+            <a:spLocks noGrp="1"/>
+          </p:cNvSpPr>
+          <p:nvPr>
+            <p:ph type="title"/>
+          </p:nvPr>
+        </p:nvSpPr>
+        <p:spPr/>
+        <p:txBody>
+          <a:bodyPr/>
+          <a:lstStyle/>
+          <a:p>
+            <a:endParaRPr lang="en-IE"/>
+          </a:p>
+        </p:txBody>
+      </p:sp>
+      <p:sp>
+        <p:nvSpPr>
+          <p:cNvPr id="3" name="Content Placeholder 2">
+            <a:extLst>
+              <a:ext uri="{FF2B5EF4-FFF2-40B4-BE49-F238E27FC236}">
+                <a16:creationId xmlns:a16="http://schemas.microsoft.com/office/drawing/2014/main" id="{030F1B0F-0B12-AFA1-2476-44AED22DB6B1}"/>
+              </a:ext>
+            </a:extLst>
+          </p:cNvPr>
+          <p:cNvSpPr>
+            <a:spLocks noGrp="1"/>
+          </p:cNvSpPr>
+          <p:nvPr>
+            <p:ph idx="1"/>
+          </p:nvPr>
+        </p:nvSpPr>
+        <p:spPr/>
+        <p:txBody>
+          <a:bodyPr/>
+          <a:lstStyle/>
+          <a:p>
+            <a:endParaRPr lang="en-IE" dirty="0"/>
+          </a:p>
+          <a:p>
+            <a:r>
+              <a:rPr lang="en-IE" dirty="0">
+                <a:hlinkClick r:id="rId3"/>
+              </a:rPr>
+              <a:t>Example on GitHub</a:t>
+            </a:r>
+            <a:endParaRPr lang="en-IE" dirty="0"/>
+          </a:p>
+          <a:p>
+            <a:endParaRPr lang="en-IE" dirty="0"/>
+          </a:p>
+        </p:txBody>
+      </p:sp>
+    </p:spTree>
+    <p:extLst>
+      <p:ext uri="{BB962C8B-B14F-4D97-AF65-F5344CB8AC3E}">
+        <p14:creationId xmlns:p14="http://schemas.microsoft.com/office/powerpoint/2010/main" val="74784482"/>
+      </p:ext>
+    </p:extLst>
+  </p:cSld>
+  <p:clrMapOvr>
+    <a:masterClrMapping/>
+  </p:clrMapOvr>
+</p:sld>
+</file>
+
 <file path=ppt/slides/slide2.xml><?xml version="1.0" encoding="utf-8"?>
 <p:sld xmlns:a="http://schemas.openxmlformats.org/drawingml/2006/main" xmlns:r="http://schemas.openxmlformats.org/officeDocument/2006/relationships" xmlns:p="http://schemas.openxmlformats.org/presentationml/2006/main">
   <p:cSld>
@@ -3445,6 +4264,89 @@
       </p:grpSpPr>
       <p:sp>
         <p:nvSpPr>
+          <p:cNvPr id="2" name="Title 1">
+            <a:extLst>
+              <a:ext uri="{FF2B5EF4-FFF2-40B4-BE49-F238E27FC236}">
+                <a16:creationId xmlns:a16="http://schemas.microsoft.com/office/drawing/2014/main" id="{F4AC977D-1D50-A9BC-CD87-96BD6A93D921}"/>
+              </a:ext>
+            </a:extLst>
+          </p:cNvPr>
+          <p:cNvSpPr>
+            <a:spLocks noGrp="1"/>
+          </p:cNvSpPr>
+          <p:nvPr>
+            <p:ph type="title"/>
+          </p:nvPr>
+        </p:nvSpPr>
+        <p:spPr/>
+        <p:txBody>
+          <a:bodyPr/>
+          <a:lstStyle/>
+          <a:p>
+            <a:r>
+              <a:rPr lang="en-IE" dirty="0"/>
+              <a:t>Prerequisites</a:t>
+            </a:r>
+          </a:p>
+        </p:txBody>
+      </p:sp>
+      <p:sp>
+        <p:nvSpPr>
+          <p:cNvPr id="3" name="Content Placeholder 2">
+            <a:extLst>
+              <a:ext uri="{FF2B5EF4-FFF2-40B4-BE49-F238E27FC236}">
+                <a16:creationId xmlns:a16="http://schemas.microsoft.com/office/drawing/2014/main" id="{5C4C9665-01A7-E011-E743-076ADAF78D29}"/>
+              </a:ext>
+            </a:extLst>
+          </p:cNvPr>
+          <p:cNvSpPr>
+            <a:spLocks noGrp="1"/>
+          </p:cNvSpPr>
+          <p:nvPr>
+            <p:ph idx="1"/>
+          </p:nvPr>
+        </p:nvSpPr>
+        <p:spPr/>
+        <p:txBody>
+          <a:bodyPr/>
+          <a:lstStyle/>
+          <a:p>
+            <a:endParaRPr lang="en-IE"/>
+          </a:p>
+        </p:txBody>
+      </p:sp>
+    </p:spTree>
+    <p:extLst>
+      <p:ext uri="{BB962C8B-B14F-4D97-AF65-F5344CB8AC3E}">
+        <p14:creationId xmlns:p14="http://schemas.microsoft.com/office/powerpoint/2010/main" val="4274454874"/>
+      </p:ext>
+    </p:extLst>
+  </p:cSld>
+  <p:clrMapOvr>
+    <a:masterClrMapping/>
+  </p:clrMapOvr>
+</p:sld>
+</file>
+
+<file path=ppt/slides/slide3.xml><?xml version="1.0" encoding="utf-8"?>
+<p:sld xmlns:a="http://schemas.openxmlformats.org/drawingml/2006/main" xmlns:r="http://schemas.openxmlformats.org/officeDocument/2006/relationships" xmlns:p="http://schemas.openxmlformats.org/presentationml/2006/main">
+  <p:cSld>
+    <p:spTree>
+      <p:nvGrpSpPr>
+        <p:cNvPr id="1" name=""/>
+        <p:cNvGrpSpPr/>
+        <p:nvPr/>
+      </p:nvGrpSpPr>
+      <p:grpSpPr>
+        <a:xfrm>
+          <a:off x="0" y="0"/>
+          <a:ext cx="0" cy="0"/>
+          <a:chOff x="0" y="0"/>
+          <a:chExt cx="0" cy="0"/>
+        </a:xfrm>
+      </p:grpSpPr>
+      <p:sp>
+        <p:nvSpPr>
           <p:cNvPr id="4" name="Title 3">
             <a:extLst>
               <a:ext uri="{FF2B5EF4-FFF2-40B4-BE49-F238E27FC236}">
@@ -3510,7 +4412,233 @@
 </p:sld>
 </file>
 
-<file path=ppt/slides/slide3.xml><?xml version="1.0" encoding="utf-8"?>
+<file path=ppt/slides/slide4.xml><?xml version="1.0" encoding="utf-8"?>
+<p:sld xmlns:a="http://schemas.openxmlformats.org/drawingml/2006/main" xmlns:r="http://schemas.openxmlformats.org/officeDocument/2006/relationships" xmlns:p="http://schemas.openxmlformats.org/presentationml/2006/main">
+  <p:cSld>
+    <p:spTree>
+      <p:nvGrpSpPr>
+        <p:cNvPr id="1" name=""/>
+        <p:cNvGrpSpPr/>
+        <p:nvPr/>
+      </p:nvGrpSpPr>
+      <p:grpSpPr>
+        <a:xfrm>
+          <a:off x="0" y="0"/>
+          <a:ext cx="0" cy="0"/>
+          <a:chOff x="0" y="0"/>
+          <a:chExt cx="0" cy="0"/>
+        </a:xfrm>
+      </p:grpSpPr>
+      <p:sp>
+        <p:nvSpPr>
+          <p:cNvPr id="4" name="Title 3">
+            <a:extLst>
+              <a:ext uri="{FF2B5EF4-FFF2-40B4-BE49-F238E27FC236}">
+                <a16:creationId xmlns:a16="http://schemas.microsoft.com/office/drawing/2014/main" id="{9B6DFE35-D955-0215-32B9-AA3E9AF84B61}"/>
+              </a:ext>
+            </a:extLst>
+          </p:cNvPr>
+          <p:cNvSpPr>
+            <a:spLocks noGrp="1"/>
+          </p:cNvSpPr>
+          <p:nvPr>
+            <p:ph type="title"/>
+          </p:nvPr>
+        </p:nvSpPr>
+        <p:spPr>
+          <a:xfrm>
+            <a:off x="838200" y="365125"/>
+            <a:ext cx="10515600" cy="951057"/>
+          </a:xfrm>
+        </p:spPr>
+        <p:txBody>
+          <a:bodyPr/>
+          <a:lstStyle/>
+          <a:p>
+            <a:r>
+              <a:rPr lang="en-IE" dirty="0"/>
+              <a:t>On Azure</a:t>
+            </a:r>
+          </a:p>
+        </p:txBody>
+      </p:sp>
+      <p:sp>
+        <p:nvSpPr>
+          <p:cNvPr id="5" name="Content Placeholder 4">
+            <a:extLst>
+              <a:ext uri="{FF2B5EF4-FFF2-40B4-BE49-F238E27FC236}">
+                <a16:creationId xmlns:a16="http://schemas.microsoft.com/office/drawing/2014/main" id="{5E23FCED-E388-44FD-E809-AC7C343B8209}"/>
+              </a:ext>
+            </a:extLst>
+          </p:cNvPr>
+          <p:cNvSpPr>
+            <a:spLocks noGrp="1"/>
+          </p:cNvSpPr>
+          <p:nvPr>
+            <p:ph idx="1"/>
+          </p:nvPr>
+        </p:nvSpPr>
+        <p:spPr/>
+        <p:txBody>
+          <a:bodyPr/>
+          <a:lstStyle/>
+          <a:p>
+            <a:r>
+              <a:rPr lang="en-IE" dirty="0"/>
+              <a:t>I used “North Europe” throughout </a:t>
+            </a:r>
+          </a:p>
+          <a:p>
+            <a:r>
+              <a:rPr lang="en-IE" dirty="0"/>
+              <a:t>Create Resource Group </a:t>
+            </a:r>
+          </a:p>
+          <a:p>
+            <a:r>
+              <a:rPr lang="en-IE" dirty="0"/>
+              <a:t>Create “Document Intelligence” Resource</a:t>
+            </a:r>
+          </a:p>
+        </p:txBody>
+      </p:sp>
+    </p:spTree>
+    <p:extLst>
+      <p:ext uri="{BB962C8B-B14F-4D97-AF65-F5344CB8AC3E}">
+        <p14:creationId xmlns:p14="http://schemas.microsoft.com/office/powerpoint/2010/main" val="2250394993"/>
+      </p:ext>
+    </p:extLst>
+  </p:cSld>
+  <p:clrMapOvr>
+    <a:masterClrMapping/>
+  </p:clrMapOvr>
+</p:sld>
+</file>
+
+<file path=ppt/slides/slide5.xml><?xml version="1.0" encoding="utf-8"?>
+<p:sld xmlns:a="http://schemas.openxmlformats.org/drawingml/2006/main" xmlns:r="http://schemas.openxmlformats.org/officeDocument/2006/relationships" xmlns:p="http://schemas.openxmlformats.org/presentationml/2006/main">
+  <p:cSld>
+    <p:spTree>
+      <p:nvGrpSpPr>
+        <p:cNvPr id="1" name=""/>
+        <p:cNvGrpSpPr/>
+        <p:nvPr/>
+      </p:nvGrpSpPr>
+      <p:grpSpPr>
+        <a:xfrm>
+          <a:off x="0" y="0"/>
+          <a:ext cx="0" cy="0"/>
+          <a:chOff x="0" y="0"/>
+          <a:chExt cx="0" cy="0"/>
+        </a:xfrm>
+      </p:grpSpPr>
+      <p:sp>
+        <p:nvSpPr>
+          <p:cNvPr id="2" name="Title 1">
+            <a:extLst>
+              <a:ext uri="{FF2B5EF4-FFF2-40B4-BE49-F238E27FC236}">
+                <a16:creationId xmlns:a16="http://schemas.microsoft.com/office/drawing/2014/main" id="{48197BEB-EE45-A2B3-6C79-195847D6FD5B}"/>
+              </a:ext>
+            </a:extLst>
+          </p:cNvPr>
+          <p:cNvSpPr>
+            <a:spLocks noGrp="1"/>
+          </p:cNvSpPr>
+          <p:nvPr>
+            <p:ph type="title"/>
+          </p:nvPr>
+        </p:nvSpPr>
+        <p:spPr/>
+        <p:txBody>
+          <a:bodyPr/>
+          <a:lstStyle/>
+          <a:p>
+            <a:r>
+              <a:rPr lang="en-IE" dirty="0"/>
+              <a:t>DI Studio –default </a:t>
+            </a:r>
+            <a:r>
+              <a:rPr lang="en-IE" dirty="0" err="1"/>
+              <a:t>enviroment</a:t>
+            </a:r>
+            <a:endParaRPr lang="en-IE" dirty="0"/>
+          </a:p>
+        </p:txBody>
+      </p:sp>
+      <p:sp>
+        <p:nvSpPr>
+          <p:cNvPr id="3" name="Content Placeholder 2">
+            <a:extLst>
+              <a:ext uri="{FF2B5EF4-FFF2-40B4-BE49-F238E27FC236}">
+                <a16:creationId xmlns:a16="http://schemas.microsoft.com/office/drawing/2014/main" id="{6EA41CF3-0A89-A673-49A6-39FCBB90C387}"/>
+              </a:ext>
+            </a:extLst>
+          </p:cNvPr>
+          <p:cNvSpPr>
+            <a:spLocks noGrp="1"/>
+          </p:cNvSpPr>
+          <p:nvPr>
+            <p:ph idx="1"/>
+          </p:nvPr>
+        </p:nvSpPr>
+        <p:spPr>
+          <a:xfrm>
+            <a:off x="838200" y="1825625"/>
+            <a:ext cx="2313709" cy="4351338"/>
+          </a:xfrm>
+        </p:spPr>
+        <p:txBody>
+          <a:bodyPr/>
+          <a:lstStyle/>
+          <a:p>
+            <a:endParaRPr lang="en-IE" dirty="0"/>
+          </a:p>
+        </p:txBody>
+      </p:sp>
+      <p:pic>
+        <p:nvPicPr>
+          <p:cNvPr id="5" name="Picture 4">
+            <a:extLst>
+              <a:ext uri="{FF2B5EF4-FFF2-40B4-BE49-F238E27FC236}">
+                <a16:creationId xmlns:a16="http://schemas.microsoft.com/office/drawing/2014/main" id="{26459BC2-06B0-0AD7-ADB9-28CDC1CC576B}"/>
+              </a:ext>
+            </a:extLst>
+          </p:cNvPr>
+          <p:cNvPicPr>
+            <a:picLocks noChangeAspect="1"/>
+          </p:cNvPicPr>
+          <p:nvPr/>
+        </p:nvPicPr>
+        <p:blipFill>
+          <a:blip r:embed="rId2"/>
+          <a:stretch>
+            <a:fillRect/>
+          </a:stretch>
+        </p:blipFill>
+        <p:spPr>
+          <a:xfrm>
+            <a:off x="3886577" y="1690688"/>
+            <a:ext cx="7882859" cy="4351338"/>
+          </a:xfrm>
+          <a:prstGeom prst="rect">
+            <a:avLst/>
+          </a:prstGeom>
+        </p:spPr>
+      </p:pic>
+    </p:spTree>
+    <p:extLst>
+      <p:ext uri="{BB962C8B-B14F-4D97-AF65-F5344CB8AC3E}">
+        <p14:creationId xmlns:p14="http://schemas.microsoft.com/office/powerpoint/2010/main" val="1580988814"/>
+      </p:ext>
+    </p:extLst>
+  </p:cSld>
+  <p:clrMapOvr>
+    <a:masterClrMapping/>
+  </p:clrMapOvr>
+</p:sld>
+</file>
+
+<file path=ppt/slides/slide6.xml><?xml version="1.0" encoding="utf-8"?>
 <p:sld xmlns:a="http://schemas.openxmlformats.org/drawingml/2006/main" xmlns:r="http://schemas.openxmlformats.org/officeDocument/2006/relationships" xmlns:p="http://schemas.openxmlformats.org/presentationml/2006/main">
   <p:cSld>
     <p:spTree>
@@ -3898,7 +5026,7 @@
 </p:sld>
 </file>
 
-<file path=ppt/slides/slide4.xml><?xml version="1.0" encoding="utf-8"?>
+<file path=ppt/slides/slide7.xml><?xml version="1.0" encoding="utf-8"?>
 <p:sld xmlns:a="http://schemas.openxmlformats.org/drawingml/2006/main" xmlns:r="http://schemas.openxmlformats.org/officeDocument/2006/relationships" xmlns:p="http://schemas.openxmlformats.org/presentationml/2006/main">
   <p:cSld>
     <p:spTree>
@@ -3993,8 +5121,8 @@
         </p:nvSpPr>
         <p:spPr>
           <a:xfrm>
-            <a:off x="342668" y="3057196"/>
-            <a:ext cx="5468112" cy="1477328"/>
+            <a:off x="371605" y="1998113"/>
+            <a:ext cx="5468112" cy="2308324"/>
           </a:xfrm>
           <a:prstGeom prst="rect">
             <a:avLst/>
@@ -4008,32 +5136,110 @@
           <a:lstStyle/>
           <a:p>
             <a:r>
+              <a:rPr lang="en-IE" dirty="0"/>
+              <a:t>Will need to specify the </a:t>
+            </a:r>
+            <a:r>
+              <a:rPr lang="en-IE" dirty="0">
+                <a:hlinkClick r:id="rId3" action="ppaction://hlinkfile"/>
+              </a:rPr>
+              <a:t>correct locale</a:t>
+            </a:r>
+            <a:r>
+              <a:rPr lang="en-IE" dirty="0"/>
+              <a:t>:</a:t>
+            </a:r>
+          </a:p>
+          <a:p>
+            <a:r>
+              <a:rPr lang="en-IE" b="0" dirty="0" err="1">
+                <a:solidFill>
+                  <a:srgbClr val="9CDCFE"/>
+                </a:solidFill>
+                <a:effectLst/>
+                <a:latin typeface="Consolas" panose="020B0609020204030204" pitchFamily="49" charset="0"/>
+              </a:rPr>
+              <a:t>fr_locale</a:t>
+            </a:r>
+            <a:r>
+              <a:rPr lang="en-IE" b="0" dirty="0">
+                <a:solidFill>
+                  <a:srgbClr val="D4D4D4"/>
+                </a:solidFill>
+                <a:effectLst/>
+                <a:latin typeface="Consolas" panose="020B0609020204030204" pitchFamily="49" charset="0"/>
+              </a:rPr>
+              <a:t>=</a:t>
+            </a:r>
+            <a:r>
+              <a:rPr lang="en-IE" b="0" dirty="0">
+                <a:solidFill>
+                  <a:srgbClr val="CE9178"/>
+                </a:solidFill>
+                <a:effectLst/>
+                <a:latin typeface="Consolas" panose="020B0609020204030204" pitchFamily="49" charset="0"/>
+              </a:rPr>
+              <a:t>"</a:t>
+            </a:r>
+            <a:r>
+              <a:rPr lang="en-IE" b="0" dirty="0" err="1">
+                <a:solidFill>
+                  <a:srgbClr val="CE9178"/>
+                </a:solidFill>
+                <a:effectLst/>
+                <a:latin typeface="Consolas" panose="020B0609020204030204" pitchFamily="49" charset="0"/>
+              </a:rPr>
+              <a:t>el</a:t>
+            </a:r>
+            <a:r>
+              <a:rPr lang="en-IE" b="0" dirty="0">
+                <a:solidFill>
+                  <a:srgbClr val="CE9178"/>
+                </a:solidFill>
+                <a:effectLst/>
+                <a:latin typeface="Consolas" panose="020B0609020204030204" pitchFamily="49" charset="0"/>
+              </a:rPr>
+              <a:t>"</a:t>
+            </a:r>
+            <a:endParaRPr lang="en-IE" b="0" dirty="0">
+              <a:solidFill>
+                <a:srgbClr val="CCCCCC"/>
+              </a:solidFill>
+              <a:effectLst/>
+              <a:latin typeface="Consolas" panose="020B0609020204030204" pitchFamily="49" charset="0"/>
+            </a:endParaRPr>
+          </a:p>
+          <a:p>
+            <a:endParaRPr lang="en-IE" dirty="0"/>
+          </a:p>
+          <a:p>
+            <a:r>
               <a:rPr lang="en-GB" dirty="0"/>
-              <a:t>First Name: INANNOY IOANNOU confidence: 0.667</a:t>
+              <a:t>First Name: ΙΩΑΝΝΟΥ IOANNOU confidence: 0.649</a:t>
             </a:r>
           </a:p>
           <a:p>
             <a:r>
               <a:rPr lang="en-GB" dirty="0"/>
-              <a:t>Last Name: TEQPRIOE GEORGIOS confidence: 0.639</a:t>
+              <a:t>Last Name: ΓΕΩΡΓΙΟΣ GEORGIOS confidence: 0.622</a:t>
             </a:r>
           </a:p>
           <a:p>
             <a:r>
               <a:rPr lang="en-GB" dirty="0"/>
-              <a:t>Document Number: 123456789&lt;A confidence: 0.86</a:t>
+              <a:t>Document Number: 123456789&lt;A confidence: 0.859</a:t>
             </a:r>
           </a:p>
           <a:p>
             <a:r>
               <a:rPr lang="en-GB" dirty="0"/>
-              <a:t>Date of Birth: 1975-05-15 has confidence: 0.859</a:t>
+              <a:t>Date of Birth: 1975-05-15 has confidence: 0.858</a:t>
             </a:r>
           </a:p>
           <a:p>
             <a:r>
               <a:rPr lang="en-GB" dirty="0"/>
-              <a:t>Date of Expiration: 2029-02-18 has confidence: 0.861</a:t>
+              <a:t>Date of Expiration: 2029-02-18 has confidence: 0.86</a:t>
             </a:r>
             <a:endParaRPr lang="en-IE" dirty="0"/>
           </a:p>
@@ -4043,6 +5249,184 @@
     <p:extLst>
       <p:ext uri="{BB962C8B-B14F-4D97-AF65-F5344CB8AC3E}">
         <p14:creationId xmlns:p14="http://schemas.microsoft.com/office/powerpoint/2010/main" val="2243806135"/>
+      </p:ext>
+    </p:extLst>
+  </p:cSld>
+  <p:clrMapOvr>
+    <a:masterClrMapping/>
+  </p:clrMapOvr>
+</p:sld>
+</file>
+
+<file path=ppt/slides/slide8.xml><?xml version="1.0" encoding="utf-8"?>
+<p:sld xmlns:a="http://schemas.openxmlformats.org/drawingml/2006/main" xmlns:r="http://schemas.openxmlformats.org/officeDocument/2006/relationships" xmlns:p="http://schemas.openxmlformats.org/presentationml/2006/main">
+  <p:cSld>
+    <p:spTree>
+      <p:nvGrpSpPr>
+        <p:cNvPr id="1" name=""/>
+        <p:cNvGrpSpPr/>
+        <p:nvPr/>
+      </p:nvGrpSpPr>
+      <p:grpSpPr>
+        <a:xfrm>
+          <a:off x="0" y="0"/>
+          <a:ext cx="0" cy="0"/>
+          <a:chOff x="0" y="0"/>
+          <a:chExt cx="0" cy="0"/>
+        </a:xfrm>
+      </p:grpSpPr>
+      <p:sp>
+        <p:nvSpPr>
+          <p:cNvPr id="2" name="Title 1">
+            <a:extLst>
+              <a:ext uri="{FF2B5EF4-FFF2-40B4-BE49-F238E27FC236}">
+                <a16:creationId xmlns:a16="http://schemas.microsoft.com/office/drawing/2014/main" id="{13EA5D51-7AE6-AAA4-9E17-29353702278C}"/>
+              </a:ext>
+            </a:extLst>
+          </p:cNvPr>
+          <p:cNvSpPr>
+            <a:spLocks noGrp="1"/>
+          </p:cNvSpPr>
+          <p:nvPr>
+            <p:ph type="title"/>
+          </p:nvPr>
+        </p:nvSpPr>
+        <p:spPr/>
+        <p:txBody>
+          <a:bodyPr/>
+          <a:lstStyle/>
+          <a:p>
+            <a:r>
+              <a:rPr lang="en-IE" dirty="0"/>
+              <a:t>Custom Document Format</a:t>
+            </a:r>
+          </a:p>
+        </p:txBody>
+      </p:sp>
+      <p:sp>
+        <p:nvSpPr>
+          <p:cNvPr id="3" name="Content Placeholder 2">
+            <a:extLst>
+              <a:ext uri="{FF2B5EF4-FFF2-40B4-BE49-F238E27FC236}">
+                <a16:creationId xmlns:a16="http://schemas.microsoft.com/office/drawing/2014/main" id="{20C28314-54CB-9328-7F33-8973D2D77081}"/>
+              </a:ext>
+            </a:extLst>
+          </p:cNvPr>
+          <p:cNvSpPr>
+            <a:spLocks noGrp="1"/>
+          </p:cNvSpPr>
+          <p:nvPr>
+            <p:ph idx="1"/>
+          </p:nvPr>
+        </p:nvSpPr>
+        <p:spPr/>
+        <p:txBody>
+          <a:bodyPr/>
+          <a:lstStyle/>
+          <a:p>
+            <a:endParaRPr lang="en-IE" dirty="0"/>
+          </a:p>
+          <a:p>
+            <a:r>
+              <a:rPr lang="en-IE" dirty="0">
+                <a:hlinkClick r:id="rId2"/>
+              </a:rPr>
+              <a:t>Step by step guide</a:t>
+            </a:r>
+            <a:endParaRPr lang="en-IE" dirty="0"/>
+          </a:p>
+          <a:p>
+            <a:endParaRPr lang="en-IE" dirty="0"/>
+          </a:p>
+        </p:txBody>
+      </p:sp>
+    </p:spTree>
+    <p:extLst>
+      <p:ext uri="{BB962C8B-B14F-4D97-AF65-F5344CB8AC3E}">
+        <p14:creationId xmlns:p14="http://schemas.microsoft.com/office/powerpoint/2010/main" val="1648843436"/>
+      </p:ext>
+    </p:extLst>
+  </p:cSld>
+  <p:clrMapOvr>
+    <a:masterClrMapping/>
+  </p:clrMapOvr>
+</p:sld>
+</file>
+
+<file path=ppt/slides/slide9.xml><?xml version="1.0" encoding="utf-8"?>
+<p:sld xmlns:a="http://schemas.openxmlformats.org/drawingml/2006/main" xmlns:r="http://schemas.openxmlformats.org/officeDocument/2006/relationships" xmlns:p="http://schemas.openxmlformats.org/presentationml/2006/main">
+  <p:cSld>
+    <p:spTree>
+      <p:nvGrpSpPr>
+        <p:cNvPr id="1" name=""/>
+        <p:cNvGrpSpPr/>
+        <p:nvPr/>
+      </p:nvGrpSpPr>
+      <p:grpSpPr>
+        <a:xfrm>
+          <a:off x="0" y="0"/>
+          <a:ext cx="0" cy="0"/>
+          <a:chOff x="0" y="0"/>
+          <a:chExt cx="0" cy="0"/>
+        </a:xfrm>
+      </p:grpSpPr>
+      <p:sp>
+        <p:nvSpPr>
+          <p:cNvPr id="4" name="Title 3">
+            <a:extLst>
+              <a:ext uri="{FF2B5EF4-FFF2-40B4-BE49-F238E27FC236}">
+                <a16:creationId xmlns:a16="http://schemas.microsoft.com/office/drawing/2014/main" id="{A05937B1-F7DB-F4BA-9C63-FBBC769B0D6B}"/>
+              </a:ext>
+            </a:extLst>
+          </p:cNvPr>
+          <p:cNvSpPr>
+            <a:spLocks noGrp="1"/>
+          </p:cNvSpPr>
+          <p:nvPr>
+            <p:ph type="title"/>
+          </p:nvPr>
+        </p:nvSpPr>
+        <p:spPr/>
+        <p:txBody>
+          <a:bodyPr/>
+          <a:lstStyle/>
+          <a:p>
+            <a:r>
+              <a:rPr lang="en-IE" dirty="0"/>
+              <a:t>Number Plate Recognition</a:t>
+            </a:r>
+          </a:p>
+        </p:txBody>
+      </p:sp>
+      <p:sp>
+        <p:nvSpPr>
+          <p:cNvPr id="5" name="Text Placeholder 4">
+            <a:extLst>
+              <a:ext uri="{FF2B5EF4-FFF2-40B4-BE49-F238E27FC236}">
+                <a16:creationId xmlns:a16="http://schemas.microsoft.com/office/drawing/2014/main" id="{057288FF-278B-60C3-F8C6-FAFCFBADCA12}"/>
+              </a:ext>
+            </a:extLst>
+          </p:cNvPr>
+          <p:cNvSpPr>
+            <a:spLocks noGrp="1"/>
+          </p:cNvSpPr>
+          <p:nvPr>
+            <p:ph type="body" idx="1"/>
+          </p:nvPr>
+        </p:nvSpPr>
+        <p:spPr/>
+        <p:txBody>
+          <a:bodyPr/>
+          <a:lstStyle/>
+          <a:p>
+            <a:endParaRPr lang="en-IE"/>
+          </a:p>
+        </p:txBody>
+      </p:sp>
+    </p:spTree>
+    <p:extLst>
+      <p:ext uri="{BB962C8B-B14F-4D97-AF65-F5344CB8AC3E}">
+        <p14:creationId xmlns:p14="http://schemas.microsoft.com/office/powerpoint/2010/main" val="1669565914"/>
       </p:ext>
     </p:extLst>
   </p:cSld>
@@ -4367,6 +5751,321 @@
 </a:theme>
 </file>
 
+<file path=ppt/theme/theme2.xml><?xml version="1.0" encoding="utf-8"?>
+<a:theme xmlns:a="http://schemas.openxmlformats.org/drawingml/2006/main" name="Office Theme">
+  <a:themeElements>
+    <a:clrScheme name="Office">
+      <a:dk1>
+        <a:sysClr val="windowText" lastClr="000000"/>
+      </a:dk1>
+      <a:lt1>
+        <a:sysClr val="window" lastClr="FFFFFF"/>
+      </a:lt1>
+      <a:dk2>
+        <a:srgbClr val="0E2841"/>
+      </a:dk2>
+      <a:lt2>
+        <a:srgbClr val="E8E8E8"/>
+      </a:lt2>
+      <a:accent1>
+        <a:srgbClr val="156082"/>
+      </a:accent1>
+      <a:accent2>
+        <a:srgbClr val="E97132"/>
+      </a:accent2>
+      <a:accent3>
+        <a:srgbClr val="196B24"/>
+      </a:accent3>
+      <a:accent4>
+        <a:srgbClr val="0F9ED5"/>
+      </a:accent4>
+      <a:accent5>
+        <a:srgbClr val="A02B93"/>
+      </a:accent5>
+      <a:accent6>
+        <a:srgbClr val="4EA72E"/>
+      </a:accent6>
+      <a:hlink>
+        <a:srgbClr val="467886"/>
+      </a:hlink>
+      <a:folHlink>
+        <a:srgbClr val="96607D"/>
+      </a:folHlink>
+    </a:clrScheme>
+    <a:fontScheme name="Office">
+      <a:majorFont>
+        <a:latin typeface="Aptos Display" panose="02110004020202020204"/>
+        <a:ea typeface=""/>
+        <a:cs typeface=""/>
+        <a:font script="Jpan" typeface="游ゴシック Light"/>
+        <a:font script="Hang" typeface="맑은 고딕"/>
+        <a:font script="Hans" typeface="等线 Light"/>
+        <a:font script="Hant" typeface="新細明體"/>
+        <a:font script="Arab" typeface="Times New Roman"/>
+        <a:font script="Hebr" typeface="Times New Roman"/>
+        <a:font script="Thai" typeface="Angsana New"/>
+        <a:font script="Ethi" typeface="Nyala"/>
+        <a:font script="Beng" typeface="Vrinda"/>
+        <a:font script="Gujr" typeface="Shruti"/>
+        <a:font script="Khmr" typeface="MoolBoran"/>
+        <a:font script="Knda" typeface="Tunga"/>
+        <a:font script="Guru" typeface="Raavi"/>
+        <a:font script="Cans" typeface="Euphemia"/>
+        <a:font script="Cher" typeface="Plantagenet Cherokee"/>
+        <a:font script="Yiii" typeface="Microsoft Yi Baiti"/>
+        <a:font script="Tibt" typeface="Microsoft Himalaya"/>
+        <a:font script="Thaa" typeface="MV Boli"/>
+        <a:font script="Deva" typeface="Mangal"/>
+        <a:font script="Telu" typeface="Gautami"/>
+        <a:font script="Taml" typeface="Latha"/>
+        <a:font script="Syrc" typeface="Estrangelo Edessa"/>
+        <a:font script="Orya" typeface="Kalinga"/>
+        <a:font script="Mlym" typeface="Kartika"/>
+        <a:font script="Laoo" typeface="DokChampa"/>
+        <a:font script="Sinh" typeface="Iskoola Pota"/>
+        <a:font script="Mong" typeface="Mongolian Baiti"/>
+        <a:font script="Viet" typeface="Times New Roman"/>
+        <a:font script="Uigh" typeface="Microsoft Uighur"/>
+        <a:font script="Geor" typeface="Sylfaen"/>
+        <a:font script="Armn" typeface="Arial"/>
+        <a:font script="Bugi" typeface="Leelawadee UI"/>
+        <a:font script="Bopo" typeface="Microsoft JhengHei"/>
+        <a:font script="Java" typeface="Javanese Text"/>
+        <a:font script="Lisu" typeface="Segoe UI"/>
+        <a:font script="Mymr" typeface="Myanmar Text"/>
+        <a:font script="Nkoo" typeface="Ebrima"/>
+        <a:font script="Olck" typeface="Nirmala UI"/>
+        <a:font script="Osma" typeface="Ebrima"/>
+        <a:font script="Phag" typeface="Phagspa"/>
+        <a:font script="Syrn" typeface="Estrangelo Edessa"/>
+        <a:font script="Syrj" typeface="Estrangelo Edessa"/>
+        <a:font script="Syre" typeface="Estrangelo Edessa"/>
+        <a:font script="Sora" typeface="Nirmala UI"/>
+        <a:font script="Tale" typeface="Microsoft Tai Le"/>
+        <a:font script="Talu" typeface="Microsoft New Tai Lue"/>
+        <a:font script="Tfng" typeface="Ebrima"/>
+      </a:majorFont>
+      <a:minorFont>
+        <a:latin typeface="Aptos" panose="02110004020202020204"/>
+        <a:ea typeface=""/>
+        <a:cs typeface=""/>
+        <a:font script="Jpan" typeface="游ゴシック"/>
+        <a:font script="Hang" typeface="맑은 고딕"/>
+        <a:font script="Hans" typeface="等线"/>
+        <a:font script="Hant" typeface="新細明體"/>
+        <a:font script="Arab" typeface="Arial"/>
+        <a:font script="Hebr" typeface="Arial"/>
+        <a:font script="Thai" typeface="Cordia New"/>
+        <a:font script="Ethi" typeface="Nyala"/>
+        <a:font script="Beng" typeface="Vrinda"/>
+        <a:font script="Gujr" typeface="Shruti"/>
+        <a:font script="Khmr" typeface="DaunPenh"/>
+        <a:font script="Knda" typeface="Tunga"/>
+        <a:font script="Guru" typeface="Raavi"/>
+        <a:font script="Cans" typeface="Euphemia"/>
+        <a:font script="Cher" typeface="Plantagenet Cherokee"/>
+        <a:font script="Yiii" typeface="Microsoft Yi Baiti"/>
+        <a:font script="Tibt" typeface="Microsoft Himalaya"/>
+        <a:font script="Thaa" typeface="MV Boli"/>
+        <a:font script="Deva" typeface="Mangal"/>
+        <a:font script="Telu" typeface="Gautami"/>
+        <a:font script="Taml" typeface="Latha"/>
+        <a:font script="Syrc" typeface="Estrangelo Edessa"/>
+        <a:font script="Orya" typeface="Kalinga"/>
+        <a:font script="Mlym" typeface="Kartika"/>
+        <a:font script="Laoo" typeface="DokChampa"/>
+        <a:font script="Sinh" typeface="Iskoola Pota"/>
+        <a:font script="Mong" typeface="Mongolian Baiti"/>
+        <a:font script="Viet" typeface="Arial"/>
+        <a:font script="Uigh" typeface="Microsoft Uighur"/>
+        <a:font script="Geor" typeface="Sylfaen"/>
+        <a:font script="Armn" typeface="Arial"/>
+        <a:font script="Bugi" typeface="Leelawadee UI"/>
+        <a:font script="Bopo" typeface="Microsoft JhengHei"/>
+        <a:font script="Java" typeface="Javanese Text"/>
+        <a:font script="Lisu" typeface="Segoe UI"/>
+        <a:font script="Mymr" typeface="Myanmar Text"/>
+        <a:font script="Nkoo" typeface="Ebrima"/>
+        <a:font script="Olck" typeface="Nirmala UI"/>
+        <a:font script="Osma" typeface="Ebrima"/>
+        <a:font script="Phag" typeface="Phagspa"/>
+        <a:font script="Syrn" typeface="Estrangelo Edessa"/>
+        <a:font script="Syrj" typeface="Estrangelo Edessa"/>
+        <a:font script="Syre" typeface="Estrangelo Edessa"/>
+        <a:font script="Sora" typeface="Nirmala UI"/>
+        <a:font script="Tale" typeface="Microsoft Tai Le"/>
+        <a:font script="Talu" typeface="Microsoft New Tai Lue"/>
+        <a:font script="Tfng" typeface="Ebrima"/>
+      </a:minorFont>
+    </a:fontScheme>
+    <a:fmtScheme name="Office">
+      <a:fillStyleLst>
+        <a:solidFill>
+          <a:schemeClr val="phClr"/>
+        </a:solidFill>
+        <a:gradFill rotWithShape="1">
+          <a:gsLst>
+            <a:gs pos="0">
+              <a:schemeClr val="phClr">
+                <a:lumMod val="110000"/>
+                <a:satMod val="105000"/>
+                <a:tint val="67000"/>
+              </a:schemeClr>
+            </a:gs>
+            <a:gs pos="50000">
+              <a:schemeClr val="phClr">
+                <a:lumMod val="105000"/>
+                <a:satMod val="103000"/>
+                <a:tint val="73000"/>
+              </a:schemeClr>
+            </a:gs>
+            <a:gs pos="100000">
+              <a:schemeClr val="phClr">
+                <a:lumMod val="105000"/>
+                <a:satMod val="109000"/>
+                <a:tint val="81000"/>
+              </a:schemeClr>
+            </a:gs>
+          </a:gsLst>
+          <a:lin ang="5400000" scaled="0"/>
+        </a:gradFill>
+        <a:gradFill rotWithShape="1">
+          <a:gsLst>
+            <a:gs pos="0">
+              <a:schemeClr val="phClr">
+                <a:satMod val="103000"/>
+                <a:lumMod val="102000"/>
+                <a:tint val="94000"/>
+              </a:schemeClr>
+            </a:gs>
+            <a:gs pos="50000">
+              <a:schemeClr val="phClr">
+                <a:satMod val="110000"/>
+                <a:lumMod val="100000"/>
+                <a:shade val="100000"/>
+              </a:schemeClr>
+            </a:gs>
+            <a:gs pos="100000">
+              <a:schemeClr val="phClr">
+                <a:lumMod val="99000"/>
+                <a:satMod val="120000"/>
+                <a:shade val="78000"/>
+              </a:schemeClr>
+            </a:gs>
+          </a:gsLst>
+          <a:lin ang="5400000" scaled="0"/>
+        </a:gradFill>
+      </a:fillStyleLst>
+      <a:lnStyleLst>
+        <a:ln w="12700" cap="flat" cmpd="sng" algn="ctr">
+          <a:solidFill>
+            <a:schemeClr val="phClr"/>
+          </a:solidFill>
+          <a:prstDash val="solid"/>
+          <a:miter lim="800000"/>
+        </a:ln>
+        <a:ln w="19050" cap="flat" cmpd="sng" algn="ctr">
+          <a:solidFill>
+            <a:schemeClr val="phClr"/>
+          </a:solidFill>
+          <a:prstDash val="solid"/>
+          <a:miter lim="800000"/>
+        </a:ln>
+        <a:ln w="25400" cap="flat" cmpd="sng" algn="ctr">
+          <a:solidFill>
+            <a:schemeClr val="phClr"/>
+          </a:solidFill>
+          <a:prstDash val="solid"/>
+          <a:miter lim="800000"/>
+        </a:ln>
+      </a:lnStyleLst>
+      <a:effectStyleLst>
+        <a:effectStyle>
+          <a:effectLst/>
+        </a:effectStyle>
+        <a:effectStyle>
+          <a:effectLst/>
+        </a:effectStyle>
+        <a:effectStyle>
+          <a:effectLst>
+            <a:outerShdw blurRad="57150" dist="19050" dir="5400000" algn="ctr" rotWithShape="0">
+              <a:srgbClr val="000000">
+                <a:alpha val="63000"/>
+              </a:srgbClr>
+            </a:outerShdw>
+          </a:effectLst>
+        </a:effectStyle>
+      </a:effectStyleLst>
+      <a:bgFillStyleLst>
+        <a:solidFill>
+          <a:schemeClr val="phClr"/>
+        </a:solidFill>
+        <a:solidFill>
+          <a:schemeClr val="phClr">
+            <a:tint val="95000"/>
+            <a:satMod val="170000"/>
+          </a:schemeClr>
+        </a:solidFill>
+        <a:gradFill rotWithShape="1">
+          <a:gsLst>
+            <a:gs pos="0">
+              <a:schemeClr val="phClr">
+                <a:tint val="93000"/>
+                <a:satMod val="150000"/>
+                <a:shade val="98000"/>
+                <a:lumMod val="102000"/>
+              </a:schemeClr>
+            </a:gs>
+            <a:gs pos="50000">
+              <a:schemeClr val="phClr">
+                <a:tint val="98000"/>
+                <a:satMod val="130000"/>
+                <a:shade val="90000"/>
+                <a:lumMod val="103000"/>
+              </a:schemeClr>
+            </a:gs>
+            <a:gs pos="100000">
+              <a:schemeClr val="phClr">
+                <a:shade val="63000"/>
+                <a:satMod val="120000"/>
+              </a:schemeClr>
+            </a:gs>
+          </a:gsLst>
+          <a:lin ang="5400000" scaled="0"/>
+        </a:gradFill>
+      </a:bgFillStyleLst>
+    </a:fmtScheme>
+  </a:themeElements>
+  <a:objectDefaults>
+    <a:lnDef>
+      <a:spPr/>
+      <a:bodyPr/>
+      <a:lstStyle/>
+      <a:style>
+        <a:lnRef idx="2">
+          <a:schemeClr val="accent1"/>
+        </a:lnRef>
+        <a:fillRef idx="0">
+          <a:schemeClr val="accent1"/>
+        </a:fillRef>
+        <a:effectRef idx="1">
+          <a:schemeClr val="accent1"/>
+        </a:effectRef>
+        <a:fontRef idx="minor">
+          <a:schemeClr val="tx1"/>
+        </a:fontRef>
+      </a:style>
+    </a:lnDef>
+  </a:objectDefaults>
+  <a:extraClrSchemeLst/>
+  <a:extLst>
+    <a:ext uri="{05A4C25C-085E-4340-85A3-A5531E510DB2}">
+      <thm15:themeFamily xmlns:thm15="http://schemas.microsoft.com/office/thememl/2012/main" name="Office Theme" id="{2E142A2C-CD16-42D6-873A-C26D2A0506FA}" vid="{1BDDFF52-6CD6-40A5-AB3C-68EB2F1E4D0A}"/>
+    </a:ext>
+  </a:extLst>
+</a:theme>
+</file>
+
 <file path=docMetadata/LabelInfo.xml><?xml version="1.0" encoding="utf-8"?>
 <clbl:labelList xmlns:clbl="http://schemas.microsoft.com/office/2020/mipLabelMetadata">
   <clbl:label id="{f42aa342-8706-4288-bd11-ebb85995028c}" enabled="1" method="Standard" siteId="{72f988bf-86f1-41af-91ab-2d7cd011db47}" contentBits="0" removed="0"/>

--- a/Document OCR Demo.pptx
+++ b/Document OCR Demo.pptx
@@ -236,7 +236,7 @@
           <a:p>
             <a:fld id="{F4B0AA95-BEE9-433E-86AF-6C7784B09683}" type="datetimeFigureOut">
               <a:rPr lang="en-IE" smtClean="0"/>
-              <a:t>19/03/2024</a:t>
+              <a:t>20/03/2024</a:t>
             </a:fld>
             <a:endParaRPr lang="en-IE"/>
           </a:p>
@@ -763,7 +763,7 @@
           <a:p>
             <a:fld id="{188732FF-DC54-407F-B196-54845B146FCB}" type="datetimeFigureOut">
               <a:rPr lang="en-IE" smtClean="0"/>
-              <a:t>19/03/2024</a:t>
+              <a:t>20/03/2024</a:t>
             </a:fld>
             <a:endParaRPr lang="en-IE"/>
           </a:p>
@@ -963,7 +963,7 @@
           <a:p>
             <a:fld id="{188732FF-DC54-407F-B196-54845B146FCB}" type="datetimeFigureOut">
               <a:rPr lang="en-IE" smtClean="0"/>
-              <a:t>19/03/2024</a:t>
+              <a:t>20/03/2024</a:t>
             </a:fld>
             <a:endParaRPr lang="en-IE"/>
           </a:p>
@@ -1173,7 +1173,7 @@
           <a:p>
             <a:fld id="{188732FF-DC54-407F-B196-54845B146FCB}" type="datetimeFigureOut">
               <a:rPr lang="en-IE" smtClean="0"/>
-              <a:t>19/03/2024</a:t>
+              <a:t>20/03/2024</a:t>
             </a:fld>
             <a:endParaRPr lang="en-IE"/>
           </a:p>
@@ -1373,7 +1373,7 @@
           <a:p>
             <a:fld id="{188732FF-DC54-407F-B196-54845B146FCB}" type="datetimeFigureOut">
               <a:rPr lang="en-IE" smtClean="0"/>
-              <a:t>19/03/2024</a:t>
+              <a:t>20/03/2024</a:t>
             </a:fld>
             <a:endParaRPr lang="en-IE"/>
           </a:p>
@@ -1649,7 +1649,7 @@
           <a:p>
             <a:fld id="{188732FF-DC54-407F-B196-54845B146FCB}" type="datetimeFigureOut">
               <a:rPr lang="en-IE" smtClean="0"/>
-              <a:t>19/03/2024</a:t>
+              <a:t>20/03/2024</a:t>
             </a:fld>
             <a:endParaRPr lang="en-IE"/>
           </a:p>
@@ -1917,7 +1917,7 @@
           <a:p>
             <a:fld id="{188732FF-DC54-407F-B196-54845B146FCB}" type="datetimeFigureOut">
               <a:rPr lang="en-IE" smtClean="0"/>
-              <a:t>19/03/2024</a:t>
+              <a:t>20/03/2024</a:t>
             </a:fld>
             <a:endParaRPr lang="en-IE"/>
           </a:p>
@@ -2332,7 +2332,7 @@
           <a:p>
             <a:fld id="{188732FF-DC54-407F-B196-54845B146FCB}" type="datetimeFigureOut">
               <a:rPr lang="en-IE" smtClean="0"/>
-              <a:t>19/03/2024</a:t>
+              <a:t>20/03/2024</a:t>
             </a:fld>
             <a:endParaRPr lang="en-IE"/>
           </a:p>
@@ -2474,7 +2474,7 @@
           <a:p>
             <a:fld id="{188732FF-DC54-407F-B196-54845B146FCB}" type="datetimeFigureOut">
               <a:rPr lang="en-IE" smtClean="0"/>
-              <a:t>19/03/2024</a:t>
+              <a:t>20/03/2024</a:t>
             </a:fld>
             <a:endParaRPr lang="en-IE"/>
           </a:p>
@@ -2587,7 +2587,7 @@
           <a:p>
             <a:fld id="{188732FF-DC54-407F-B196-54845B146FCB}" type="datetimeFigureOut">
               <a:rPr lang="en-IE" smtClean="0"/>
-              <a:t>19/03/2024</a:t>
+              <a:t>20/03/2024</a:t>
             </a:fld>
             <a:endParaRPr lang="en-IE"/>
           </a:p>
@@ -2900,7 +2900,7 @@
           <a:p>
             <a:fld id="{188732FF-DC54-407F-B196-54845B146FCB}" type="datetimeFigureOut">
               <a:rPr lang="en-IE" smtClean="0"/>
-              <a:t>19/03/2024</a:t>
+              <a:t>20/03/2024</a:t>
             </a:fld>
             <a:endParaRPr lang="en-IE"/>
           </a:p>
@@ -3189,7 +3189,7 @@
           <a:p>
             <a:fld id="{188732FF-DC54-407F-B196-54845B146FCB}" type="datetimeFigureOut">
               <a:rPr lang="en-IE" smtClean="0"/>
-              <a:t>19/03/2024</a:t>
+              <a:t>20/03/2024</a:t>
             </a:fld>
             <a:endParaRPr lang="en-IE"/>
           </a:p>
@@ -3432,7 +3432,7 @@
           <a:p>
             <a:fld id="{188732FF-DC54-407F-B196-54845B146FCB}" type="datetimeFigureOut">
               <a:rPr lang="en-IE" smtClean="0"/>
-              <a:t>19/03/2024</a:t>
+              <a:t>20/03/2024</a:t>
             </a:fld>
             <a:endParaRPr lang="en-IE"/>
           </a:p>
@@ -4311,7 +4311,68 @@
           <a:bodyPr/>
           <a:lstStyle/>
           <a:p>
-            <a:endParaRPr lang="en-IE"/>
+            <a:r>
+              <a:rPr lang="en-IE" dirty="0"/>
+              <a:t>Azure Subscription</a:t>
+            </a:r>
+          </a:p>
+          <a:p>
+            <a:r>
+              <a:rPr lang="en-IE" dirty="0"/>
+              <a:t>Azure </a:t>
+            </a:r>
+            <a:r>
+              <a:rPr lang="en-IE" dirty="0">
+                <a:hlinkClick r:id="rId2"/>
+              </a:rPr>
+              <a:t>Resource Group</a:t>
+            </a:r>
+            <a:endParaRPr lang="en-IE" dirty="0"/>
+          </a:p>
+          <a:p>
+            <a:r>
+              <a:rPr lang="en-IE" dirty="0"/>
+              <a:t>Azure </a:t>
+            </a:r>
+            <a:r>
+              <a:rPr lang="en-IE" dirty="0">
+                <a:hlinkClick r:id="rId3"/>
+              </a:rPr>
+              <a:t>Document Intelligence</a:t>
+            </a:r>
+            <a:endParaRPr lang="en-IE" dirty="0"/>
+          </a:p>
+          <a:p>
+            <a:r>
+              <a:rPr lang="en-IE" dirty="0"/>
+              <a:t>Azure </a:t>
+            </a:r>
+            <a:r>
+              <a:rPr lang="en-IE" dirty="0">
+                <a:hlinkClick r:id="rId4"/>
+              </a:rPr>
+              <a:t>Computer Vision</a:t>
+            </a:r>
+            <a:endParaRPr lang="en-IE" dirty="0"/>
+          </a:p>
+          <a:p>
+            <a:r>
+              <a:rPr lang="en-IE" dirty="0"/>
+              <a:t>Azure </a:t>
+            </a:r>
+            <a:r>
+              <a:rPr lang="en-IE">
+                <a:hlinkClick r:id="rId5"/>
+              </a:rPr>
+              <a:t>Storage Account</a:t>
+            </a:r>
+            <a:endParaRPr lang="en-IE"/>
+          </a:p>
+          <a:p>
+            <a:endParaRPr lang="en-IE" dirty="0"/>
+          </a:p>
+          <a:p>
+            <a:endParaRPr lang="en-IE" dirty="0"/>
           </a:p>
         </p:txBody>
       </p:sp>

--- a/Document OCR Demo.pptx
+++ b/Document OCR Demo.pptx
@@ -4361,12 +4361,12 @@
               <a:t>Azure </a:t>
             </a:r>
             <a:r>
-              <a:rPr lang="en-IE">
+              <a:rPr lang="en-IE" dirty="0">
                 <a:hlinkClick r:id="rId5"/>
               </a:rPr>
               <a:t>Storage Account</a:t>
             </a:r>
-            <a:endParaRPr lang="en-IE"/>
+            <a:endParaRPr lang="en-IE" dirty="0"/>
           </a:p>
           <a:p>
             <a:endParaRPr lang="en-IE" dirty="0"/>

--- a/Document OCR Demo.pptx
+++ b/Document OCR Demo.pptx
@@ -236,7 +236,7 @@
           <a:p>
             <a:fld id="{F4B0AA95-BEE9-433E-86AF-6C7784B09683}" type="datetimeFigureOut">
               <a:rPr lang="en-IE" smtClean="0"/>
-              <a:t>20/03/2024</a:t>
+              <a:t>28/03/2024</a:t>
             </a:fld>
             <a:endParaRPr lang="en-IE"/>
           </a:p>
@@ -763,7 +763,7 @@
           <a:p>
             <a:fld id="{188732FF-DC54-407F-B196-54845B146FCB}" type="datetimeFigureOut">
               <a:rPr lang="en-IE" smtClean="0"/>
-              <a:t>20/03/2024</a:t>
+              <a:t>28/03/2024</a:t>
             </a:fld>
             <a:endParaRPr lang="en-IE"/>
           </a:p>
@@ -963,7 +963,7 @@
           <a:p>
             <a:fld id="{188732FF-DC54-407F-B196-54845B146FCB}" type="datetimeFigureOut">
               <a:rPr lang="en-IE" smtClean="0"/>
-              <a:t>20/03/2024</a:t>
+              <a:t>28/03/2024</a:t>
             </a:fld>
             <a:endParaRPr lang="en-IE"/>
           </a:p>
@@ -1173,7 +1173,7 @@
           <a:p>
             <a:fld id="{188732FF-DC54-407F-B196-54845B146FCB}" type="datetimeFigureOut">
               <a:rPr lang="en-IE" smtClean="0"/>
-              <a:t>20/03/2024</a:t>
+              <a:t>28/03/2024</a:t>
             </a:fld>
             <a:endParaRPr lang="en-IE"/>
           </a:p>
@@ -1373,7 +1373,7 @@
           <a:p>
             <a:fld id="{188732FF-DC54-407F-B196-54845B146FCB}" type="datetimeFigureOut">
               <a:rPr lang="en-IE" smtClean="0"/>
-              <a:t>20/03/2024</a:t>
+              <a:t>28/03/2024</a:t>
             </a:fld>
             <a:endParaRPr lang="en-IE"/>
           </a:p>
@@ -1649,7 +1649,7 @@
           <a:p>
             <a:fld id="{188732FF-DC54-407F-B196-54845B146FCB}" type="datetimeFigureOut">
               <a:rPr lang="en-IE" smtClean="0"/>
-              <a:t>20/03/2024</a:t>
+              <a:t>28/03/2024</a:t>
             </a:fld>
             <a:endParaRPr lang="en-IE"/>
           </a:p>
@@ -1917,7 +1917,7 @@
           <a:p>
             <a:fld id="{188732FF-DC54-407F-B196-54845B146FCB}" type="datetimeFigureOut">
               <a:rPr lang="en-IE" smtClean="0"/>
-              <a:t>20/03/2024</a:t>
+              <a:t>28/03/2024</a:t>
             </a:fld>
             <a:endParaRPr lang="en-IE"/>
           </a:p>
@@ -2332,7 +2332,7 @@
           <a:p>
             <a:fld id="{188732FF-DC54-407F-B196-54845B146FCB}" type="datetimeFigureOut">
               <a:rPr lang="en-IE" smtClean="0"/>
-              <a:t>20/03/2024</a:t>
+              <a:t>28/03/2024</a:t>
             </a:fld>
             <a:endParaRPr lang="en-IE"/>
           </a:p>
@@ -2474,7 +2474,7 @@
           <a:p>
             <a:fld id="{188732FF-DC54-407F-B196-54845B146FCB}" type="datetimeFigureOut">
               <a:rPr lang="en-IE" smtClean="0"/>
-              <a:t>20/03/2024</a:t>
+              <a:t>28/03/2024</a:t>
             </a:fld>
             <a:endParaRPr lang="en-IE"/>
           </a:p>
@@ -2587,7 +2587,7 @@
           <a:p>
             <a:fld id="{188732FF-DC54-407F-B196-54845B146FCB}" type="datetimeFigureOut">
               <a:rPr lang="en-IE" smtClean="0"/>
-              <a:t>20/03/2024</a:t>
+              <a:t>28/03/2024</a:t>
             </a:fld>
             <a:endParaRPr lang="en-IE"/>
           </a:p>
@@ -2900,7 +2900,7 @@
           <a:p>
             <a:fld id="{188732FF-DC54-407F-B196-54845B146FCB}" type="datetimeFigureOut">
               <a:rPr lang="en-IE" smtClean="0"/>
-              <a:t>20/03/2024</a:t>
+              <a:t>28/03/2024</a:t>
             </a:fld>
             <a:endParaRPr lang="en-IE"/>
           </a:p>
@@ -3189,7 +3189,7 @@
           <a:p>
             <a:fld id="{188732FF-DC54-407F-B196-54845B146FCB}" type="datetimeFigureOut">
               <a:rPr lang="en-IE" smtClean="0"/>
-              <a:t>20/03/2024</a:t>
+              <a:t>28/03/2024</a:t>
             </a:fld>
             <a:endParaRPr lang="en-IE"/>
           </a:p>
@@ -3432,7 +3432,7 @@
           <a:p>
             <a:fld id="{188732FF-DC54-407F-B196-54845B146FCB}" type="datetimeFigureOut">
               <a:rPr lang="en-IE" smtClean="0"/>
-              <a:t>20/03/2024</a:t>
+              <a:t>28/03/2024</a:t>
             </a:fld>
             <a:endParaRPr lang="en-IE"/>
           </a:p>
@@ -3870,7 +3870,10 @@
           <a:bodyPr/>
           <a:lstStyle/>
           <a:p>
-            <a:endParaRPr lang="en-IE"/>
+            <a:r>
+              <a:rPr lang="en-IE" dirty="0"/>
+              <a:t>Azure Document Intelligence</a:t>
+            </a:r>
           </a:p>
         </p:txBody>
       </p:sp>
@@ -3895,7 +3898,14 @@
           <a:bodyPr/>
           <a:lstStyle/>
           <a:p>
-            <a:endParaRPr lang="en-IE"/>
+            <a:r>
+              <a:rPr lang="en-IE" dirty="0"/>
+              <a:t>Zero to </a:t>
+            </a:r>
+            <a:r>
+              <a:rPr lang="en-IE"/>
+              <a:t>Hero Workshop</a:t>
+            </a:r>
           </a:p>
         </p:txBody>
       </p:sp>

--- a/Document OCR Demo.pptx
+++ b/Document OCR Demo.pptx
@@ -5,21 +5,22 @@
     <p:sldMasterId id="2147483648" r:id="rId1"/>
   </p:sldMasterIdLst>
   <p:notesMasterIdLst>
-    <p:notesMasterId r:id="rId14"/>
+    <p:notesMasterId r:id="rId15"/>
   </p:notesMasterIdLst>
   <p:sldIdLst>
     <p:sldId id="256" r:id="rId2"/>
     <p:sldId id="260" r:id="rId3"/>
-    <p:sldId id="258" r:id="rId4"/>
-    <p:sldId id="262" r:id="rId5"/>
-    <p:sldId id="263" r:id="rId6"/>
-    <p:sldId id="257" r:id="rId7"/>
-    <p:sldId id="259" r:id="rId8"/>
-    <p:sldId id="267" r:id="rId9"/>
-    <p:sldId id="261" r:id="rId10"/>
-    <p:sldId id="264" r:id="rId11"/>
-    <p:sldId id="265" r:id="rId12"/>
-    <p:sldId id="266" r:id="rId13"/>
+    <p:sldId id="268" r:id="rId4"/>
+    <p:sldId id="258" r:id="rId5"/>
+    <p:sldId id="262" r:id="rId6"/>
+    <p:sldId id="263" r:id="rId7"/>
+    <p:sldId id="257" r:id="rId8"/>
+    <p:sldId id="259" r:id="rId9"/>
+    <p:sldId id="267" r:id="rId10"/>
+    <p:sldId id="261" r:id="rId11"/>
+    <p:sldId id="264" r:id="rId12"/>
+    <p:sldId id="265" r:id="rId13"/>
+    <p:sldId id="266" r:id="rId14"/>
   </p:sldIdLst>
   <p:sldSz cx="12192000" cy="6858000"/>
   <p:notesSz cx="6858000" cy="9144000"/>
@@ -125,6 +126,7 @@
           <p14:sldIdLst>
             <p14:sldId id="256"/>
             <p14:sldId id="260"/>
+            <p14:sldId id="268"/>
           </p14:sldIdLst>
         </p14:section>
         <p14:section name="ID Scanning" id="{462A614E-ABAA-4E94-AB93-B7481605DDFF}">
@@ -236,7 +238,7 @@
           <a:p>
             <a:fld id="{F4B0AA95-BEE9-433E-86AF-6C7784B09683}" type="datetimeFigureOut">
               <a:rPr lang="en-IE" smtClean="0"/>
-              <a:t>28/03/2024</a:t>
+              <a:t>02/04/2024</a:t>
             </a:fld>
             <a:endParaRPr lang="en-IE"/>
           </a:p>
@@ -548,6 +550,93 @@
           <a:bodyPr/>
           <a:lstStyle/>
           <a:p>
+            <a:r>
+              <a:rPr lang="en-IE" dirty="0"/>
+              <a:t>https://learn.microsoft.com/en-us/azure/architecture/data-guide/technology-choices/cognitive-services</a:t>
+            </a:r>
+          </a:p>
+        </p:txBody>
+      </p:sp>
+      <p:sp>
+        <p:nvSpPr>
+          <p:cNvPr id="4" name="Slide Number Placeholder 3"/>
+          <p:cNvSpPr>
+            <a:spLocks noGrp="1"/>
+          </p:cNvSpPr>
+          <p:nvPr>
+            <p:ph type="sldNum" sz="quarter" idx="5"/>
+          </p:nvPr>
+        </p:nvSpPr>
+        <p:spPr/>
+        <p:txBody>
+          <a:bodyPr/>
+          <a:lstStyle/>
+          <a:p>
+            <a:fld id="{98D6D1CA-F06C-4BAC-BBFE-438176DC3173}" type="slidenum">
+              <a:rPr lang="en-IE" smtClean="0"/>
+              <a:t>3</a:t>
+            </a:fld>
+            <a:endParaRPr lang="en-IE"/>
+          </a:p>
+        </p:txBody>
+      </p:sp>
+    </p:spTree>
+    <p:extLst>
+      <p:ext uri="{BB962C8B-B14F-4D97-AF65-F5344CB8AC3E}">
+        <p14:creationId xmlns:p14="http://schemas.microsoft.com/office/powerpoint/2010/main" val="997505239"/>
+      </p:ext>
+    </p:extLst>
+  </p:cSld>
+  <p:clrMapOvr>
+    <a:masterClrMapping/>
+  </p:clrMapOvr>
+</p:notes>
+</file>
+
+<file path=ppt/notesSlides/notesSlide2.xml><?xml version="1.0" encoding="utf-8"?>
+<p:notes xmlns:a="http://schemas.openxmlformats.org/drawingml/2006/main" xmlns:r="http://schemas.openxmlformats.org/officeDocument/2006/relationships" xmlns:p="http://schemas.openxmlformats.org/presentationml/2006/main">
+  <p:cSld>
+    <p:spTree>
+      <p:nvGrpSpPr>
+        <p:cNvPr id="1" name=""/>
+        <p:cNvGrpSpPr/>
+        <p:nvPr/>
+      </p:nvGrpSpPr>
+      <p:grpSpPr>
+        <a:xfrm>
+          <a:off x="0" y="0"/>
+          <a:ext cx="0" cy="0"/>
+          <a:chOff x="0" y="0"/>
+          <a:chExt cx="0" cy="0"/>
+        </a:xfrm>
+      </p:grpSpPr>
+      <p:sp>
+        <p:nvSpPr>
+          <p:cNvPr id="2" name="Slide Image Placeholder 1"/>
+          <p:cNvSpPr>
+            <a:spLocks noGrp="1" noRot="1" noChangeAspect="1"/>
+          </p:cNvSpPr>
+          <p:nvPr>
+            <p:ph type="sldImg"/>
+          </p:nvPr>
+        </p:nvSpPr>
+        <p:spPr/>
+      </p:sp>
+      <p:sp>
+        <p:nvSpPr>
+          <p:cNvPr id="3" name="Notes Placeholder 2"/>
+          <p:cNvSpPr>
+            <a:spLocks noGrp="1"/>
+          </p:cNvSpPr>
+          <p:nvPr>
+            <p:ph type="body" idx="1"/>
+          </p:nvPr>
+        </p:nvSpPr>
+        <p:spPr/>
+        <p:txBody>
+          <a:bodyPr/>
+          <a:lstStyle/>
+          <a:p>
             <a:pPr marL="0" marR="0" lvl="0" indent="0" algn="l" defTabSz="914400" rtl="0" eaLnBrk="1" fontAlgn="auto" latinLnBrk="0" hangingPunct="1">
               <a:lnSpc>
                 <a:spcPct val="100000"/>
@@ -595,7 +684,7 @@
           <a:p>
             <a:fld id="{98D6D1CA-F06C-4BAC-BBFE-438176DC3173}" type="slidenum">
               <a:rPr lang="en-IE" smtClean="0"/>
-              <a:t>12</a:t>
+              <a:t>13</a:t>
             </a:fld>
             <a:endParaRPr lang="en-IE"/>
           </a:p>
@@ -763,7 +852,7 @@
           <a:p>
             <a:fld id="{188732FF-DC54-407F-B196-54845B146FCB}" type="datetimeFigureOut">
               <a:rPr lang="en-IE" smtClean="0"/>
-              <a:t>28/03/2024</a:t>
+              <a:t>02/04/2024</a:t>
             </a:fld>
             <a:endParaRPr lang="en-IE"/>
           </a:p>
@@ -963,7 +1052,7 @@
           <a:p>
             <a:fld id="{188732FF-DC54-407F-B196-54845B146FCB}" type="datetimeFigureOut">
               <a:rPr lang="en-IE" smtClean="0"/>
-              <a:t>28/03/2024</a:t>
+              <a:t>02/04/2024</a:t>
             </a:fld>
             <a:endParaRPr lang="en-IE"/>
           </a:p>
@@ -1173,7 +1262,7 @@
           <a:p>
             <a:fld id="{188732FF-DC54-407F-B196-54845B146FCB}" type="datetimeFigureOut">
               <a:rPr lang="en-IE" smtClean="0"/>
-              <a:t>28/03/2024</a:t>
+              <a:t>02/04/2024</a:t>
             </a:fld>
             <a:endParaRPr lang="en-IE"/>
           </a:p>
@@ -1373,7 +1462,7 @@
           <a:p>
             <a:fld id="{188732FF-DC54-407F-B196-54845B146FCB}" type="datetimeFigureOut">
               <a:rPr lang="en-IE" smtClean="0"/>
-              <a:t>28/03/2024</a:t>
+              <a:t>02/04/2024</a:t>
             </a:fld>
             <a:endParaRPr lang="en-IE"/>
           </a:p>
@@ -1649,7 +1738,7 @@
           <a:p>
             <a:fld id="{188732FF-DC54-407F-B196-54845B146FCB}" type="datetimeFigureOut">
               <a:rPr lang="en-IE" smtClean="0"/>
-              <a:t>28/03/2024</a:t>
+              <a:t>02/04/2024</a:t>
             </a:fld>
             <a:endParaRPr lang="en-IE"/>
           </a:p>
@@ -1917,7 +2006,7 @@
           <a:p>
             <a:fld id="{188732FF-DC54-407F-B196-54845B146FCB}" type="datetimeFigureOut">
               <a:rPr lang="en-IE" smtClean="0"/>
-              <a:t>28/03/2024</a:t>
+              <a:t>02/04/2024</a:t>
             </a:fld>
             <a:endParaRPr lang="en-IE"/>
           </a:p>
@@ -2332,7 +2421,7 @@
           <a:p>
             <a:fld id="{188732FF-DC54-407F-B196-54845B146FCB}" type="datetimeFigureOut">
               <a:rPr lang="en-IE" smtClean="0"/>
-              <a:t>28/03/2024</a:t>
+              <a:t>02/04/2024</a:t>
             </a:fld>
             <a:endParaRPr lang="en-IE"/>
           </a:p>
@@ -2474,7 +2563,7 @@
           <a:p>
             <a:fld id="{188732FF-DC54-407F-B196-54845B146FCB}" type="datetimeFigureOut">
               <a:rPr lang="en-IE" smtClean="0"/>
-              <a:t>28/03/2024</a:t>
+              <a:t>02/04/2024</a:t>
             </a:fld>
             <a:endParaRPr lang="en-IE"/>
           </a:p>
@@ -2587,7 +2676,7 @@
           <a:p>
             <a:fld id="{188732FF-DC54-407F-B196-54845B146FCB}" type="datetimeFigureOut">
               <a:rPr lang="en-IE" smtClean="0"/>
-              <a:t>28/03/2024</a:t>
+              <a:t>02/04/2024</a:t>
             </a:fld>
             <a:endParaRPr lang="en-IE"/>
           </a:p>
@@ -2900,7 +2989,7 @@
           <a:p>
             <a:fld id="{188732FF-DC54-407F-B196-54845B146FCB}" type="datetimeFigureOut">
               <a:rPr lang="en-IE" smtClean="0"/>
-              <a:t>28/03/2024</a:t>
+              <a:t>02/04/2024</a:t>
             </a:fld>
             <a:endParaRPr lang="en-IE"/>
           </a:p>
@@ -3189,7 +3278,7 @@
           <a:p>
             <a:fld id="{188732FF-DC54-407F-B196-54845B146FCB}" type="datetimeFigureOut">
               <a:rPr lang="en-IE" smtClean="0"/>
-              <a:t>28/03/2024</a:t>
+              <a:t>02/04/2024</a:t>
             </a:fld>
             <a:endParaRPr lang="en-IE"/>
           </a:p>
@@ -3432,7 +3521,7 @@
           <a:p>
             <a:fld id="{188732FF-DC54-407F-B196-54845B146FCB}" type="datetimeFigureOut">
               <a:rPr lang="en-IE" smtClean="0"/>
-              <a:t>28/03/2024</a:t>
+              <a:t>02/04/2024</a:t>
             </a:fld>
             <a:endParaRPr lang="en-IE"/>
           </a:p>
@@ -3941,10 +4030,10 @@
       </p:grpSpPr>
       <p:sp>
         <p:nvSpPr>
-          <p:cNvPr id="2" name="Title 1">
-            <a:extLst>
-              <a:ext uri="{FF2B5EF4-FFF2-40B4-BE49-F238E27FC236}">
-                <a16:creationId xmlns:a16="http://schemas.microsoft.com/office/drawing/2014/main" id="{38DC1EDD-64BB-6EE9-EDF7-9E41511B317E}"/>
+          <p:cNvPr id="4" name="Title 3">
+            <a:extLst>
+              <a:ext uri="{FF2B5EF4-FFF2-40B4-BE49-F238E27FC236}">
+                <a16:creationId xmlns:a16="http://schemas.microsoft.com/office/drawing/2014/main" id="{A05937B1-F7DB-F4BA-9C63-FBBC769B0D6B}"/>
               </a:ext>
             </a:extLst>
           </p:cNvPr>
@@ -3961,110 +4050,41 @@
           <a:lstStyle/>
           <a:p>
             <a:r>
-              <a:rPr lang="en-IE" dirty="0" err="1"/>
-              <a:t>Prereq</a:t>
-            </a:r>
-            <a:endParaRPr lang="en-IE" dirty="0"/>
-          </a:p>
-        </p:txBody>
-      </p:sp>
-      <p:sp>
-        <p:nvSpPr>
-          <p:cNvPr id="3" name="Content Placeholder 2">
-            <a:extLst>
-              <a:ext uri="{FF2B5EF4-FFF2-40B4-BE49-F238E27FC236}">
-                <a16:creationId xmlns:a16="http://schemas.microsoft.com/office/drawing/2014/main" id="{9A9C8615-14A7-810A-D2D3-5FFD15A752F2}"/>
-              </a:ext>
-            </a:extLst>
-          </p:cNvPr>
-          <p:cNvSpPr>
-            <a:spLocks noGrp="1"/>
-          </p:cNvSpPr>
-          <p:nvPr>
-            <p:ph idx="1"/>
-          </p:nvPr>
-        </p:nvSpPr>
-        <p:spPr/>
-        <p:txBody>
-          <a:bodyPr>
-            <a:normAutofit lnSpcReduction="10000"/>
-          </a:bodyPr>
-          <a:lstStyle/>
-          <a:p>
-            <a:pPr marL="0" indent="0">
-              <a:buNone/>
-            </a:pPr>
-            <a:r>
-              <a:rPr lang="en-IE" b="1" dirty="0"/>
-              <a:t>Azure</a:t>
-            </a:r>
-          </a:p>
-          <a:p>
-            <a:r>
               <a:rPr lang="en-IE" dirty="0"/>
-              <a:t>Create “Computer Vision” service</a:t>
-            </a:r>
-          </a:p>
-          <a:p>
-            <a:r>
-              <a:rPr lang="en-IE" dirty="0"/>
-              <a:t>Create Azure Machine Learning service</a:t>
-            </a:r>
-          </a:p>
-          <a:p>
-            <a:endParaRPr lang="en-IE" dirty="0"/>
-          </a:p>
-          <a:p>
-            <a:pPr marL="0" indent="0">
-              <a:buNone/>
-            </a:pPr>
-            <a:r>
-              <a:rPr lang="en-IE" dirty="0"/>
-              <a:t>Dev Machine</a:t>
-            </a:r>
-          </a:p>
-          <a:p>
-            <a:r>
-              <a:rPr lang="en-IE" dirty="0"/>
-              <a:t>The demo is using Anaconda notebooks</a:t>
-            </a:r>
-          </a:p>
-          <a:p>
-            <a:r>
-              <a:rPr lang="en-IE" dirty="0"/>
-              <a:t>Alternatively</a:t>
-            </a:r>
-          </a:p>
-          <a:p>
-            <a:pPr lvl="1"/>
-            <a:r>
-              <a:rPr lang="en-IE" dirty="0"/>
-              <a:t>VS Code locally – requires Anaconda environment</a:t>
-            </a:r>
-          </a:p>
-          <a:p>
-            <a:pPr lvl="1"/>
-            <a:r>
-              <a:rPr lang="en-IE" dirty="0"/>
-              <a:t>VS Code on the web – requires Jupiter Server to run notebooks</a:t>
-            </a:r>
-          </a:p>
-          <a:p>
-            <a:pPr lvl="1"/>
-            <a:r>
-              <a:rPr lang="en-IE" dirty="0"/>
-              <a:t>Azure Machine Learning </a:t>
-            </a:r>
-          </a:p>
-          <a:p>
-            <a:endParaRPr lang="en-IE" dirty="0"/>
+              <a:t>Number Plate Recognition</a:t>
+            </a:r>
+          </a:p>
+        </p:txBody>
+      </p:sp>
+      <p:sp>
+        <p:nvSpPr>
+          <p:cNvPr id="5" name="Text Placeholder 4">
+            <a:extLst>
+              <a:ext uri="{FF2B5EF4-FFF2-40B4-BE49-F238E27FC236}">
+                <a16:creationId xmlns:a16="http://schemas.microsoft.com/office/drawing/2014/main" id="{057288FF-278B-60C3-F8C6-FAFCFBADCA12}"/>
+              </a:ext>
+            </a:extLst>
+          </p:cNvPr>
+          <p:cNvSpPr>
+            <a:spLocks noGrp="1"/>
+          </p:cNvSpPr>
+          <p:nvPr>
+            <p:ph type="body" idx="1"/>
+          </p:nvPr>
+        </p:nvSpPr>
+        <p:spPr/>
+        <p:txBody>
+          <a:bodyPr/>
+          <a:lstStyle/>
+          <a:p>
+            <a:endParaRPr lang="en-IE"/>
           </a:p>
         </p:txBody>
       </p:sp>
     </p:spTree>
     <p:extLst>
       <p:ext uri="{BB962C8B-B14F-4D97-AF65-F5344CB8AC3E}">
-        <p14:creationId xmlns:p14="http://schemas.microsoft.com/office/powerpoint/2010/main" val="851035331"/>
+        <p14:creationId xmlns:p14="http://schemas.microsoft.com/office/powerpoint/2010/main" val="1669565914"/>
       </p:ext>
     </p:extLst>
   </p:cSld>
@@ -4096,6 +4116,158 @@
           <p:cNvPr id="2" name="Title 1">
             <a:extLst>
               <a:ext uri="{FF2B5EF4-FFF2-40B4-BE49-F238E27FC236}">
+                <a16:creationId xmlns:a16="http://schemas.microsoft.com/office/drawing/2014/main" id="{38DC1EDD-64BB-6EE9-EDF7-9E41511B317E}"/>
+              </a:ext>
+            </a:extLst>
+          </p:cNvPr>
+          <p:cNvSpPr>
+            <a:spLocks noGrp="1"/>
+          </p:cNvSpPr>
+          <p:nvPr>
+            <p:ph type="title"/>
+          </p:nvPr>
+        </p:nvSpPr>
+        <p:spPr/>
+        <p:txBody>
+          <a:bodyPr/>
+          <a:lstStyle/>
+          <a:p>
+            <a:r>
+              <a:rPr lang="en-IE" dirty="0" err="1"/>
+              <a:t>Prereq</a:t>
+            </a:r>
+            <a:endParaRPr lang="en-IE" dirty="0"/>
+          </a:p>
+        </p:txBody>
+      </p:sp>
+      <p:sp>
+        <p:nvSpPr>
+          <p:cNvPr id="3" name="Content Placeholder 2">
+            <a:extLst>
+              <a:ext uri="{FF2B5EF4-FFF2-40B4-BE49-F238E27FC236}">
+                <a16:creationId xmlns:a16="http://schemas.microsoft.com/office/drawing/2014/main" id="{9A9C8615-14A7-810A-D2D3-5FFD15A752F2}"/>
+              </a:ext>
+            </a:extLst>
+          </p:cNvPr>
+          <p:cNvSpPr>
+            <a:spLocks noGrp="1"/>
+          </p:cNvSpPr>
+          <p:nvPr>
+            <p:ph idx="1"/>
+          </p:nvPr>
+        </p:nvSpPr>
+        <p:spPr/>
+        <p:txBody>
+          <a:bodyPr>
+            <a:normAutofit lnSpcReduction="10000"/>
+          </a:bodyPr>
+          <a:lstStyle/>
+          <a:p>
+            <a:pPr marL="0" indent="0">
+              <a:buNone/>
+            </a:pPr>
+            <a:r>
+              <a:rPr lang="en-IE" b="1" dirty="0"/>
+              <a:t>Azure</a:t>
+            </a:r>
+          </a:p>
+          <a:p>
+            <a:r>
+              <a:rPr lang="en-IE" dirty="0"/>
+              <a:t>Create “Computer Vision” service</a:t>
+            </a:r>
+          </a:p>
+          <a:p>
+            <a:r>
+              <a:rPr lang="en-IE" dirty="0"/>
+              <a:t>Create Azure Machine Learning service</a:t>
+            </a:r>
+          </a:p>
+          <a:p>
+            <a:endParaRPr lang="en-IE" dirty="0"/>
+          </a:p>
+          <a:p>
+            <a:pPr marL="0" indent="0">
+              <a:buNone/>
+            </a:pPr>
+            <a:r>
+              <a:rPr lang="en-IE" dirty="0"/>
+              <a:t>Dev Machine</a:t>
+            </a:r>
+          </a:p>
+          <a:p>
+            <a:r>
+              <a:rPr lang="en-IE" dirty="0"/>
+              <a:t>The demo is using Anaconda notebooks</a:t>
+            </a:r>
+          </a:p>
+          <a:p>
+            <a:r>
+              <a:rPr lang="en-IE" dirty="0"/>
+              <a:t>Alternatively</a:t>
+            </a:r>
+          </a:p>
+          <a:p>
+            <a:pPr lvl="1"/>
+            <a:r>
+              <a:rPr lang="en-IE" dirty="0"/>
+              <a:t>VS Code locally – requires Anaconda environment</a:t>
+            </a:r>
+          </a:p>
+          <a:p>
+            <a:pPr lvl="1"/>
+            <a:r>
+              <a:rPr lang="en-IE" dirty="0"/>
+              <a:t>VS Code on the web – requires Jupiter Server to run notebooks</a:t>
+            </a:r>
+          </a:p>
+          <a:p>
+            <a:pPr lvl="1"/>
+            <a:r>
+              <a:rPr lang="en-IE" dirty="0"/>
+              <a:t>Azure Machine Learning </a:t>
+            </a:r>
+          </a:p>
+          <a:p>
+            <a:endParaRPr lang="en-IE" dirty="0"/>
+          </a:p>
+        </p:txBody>
+      </p:sp>
+    </p:spTree>
+    <p:extLst>
+      <p:ext uri="{BB962C8B-B14F-4D97-AF65-F5344CB8AC3E}">
+        <p14:creationId xmlns:p14="http://schemas.microsoft.com/office/powerpoint/2010/main" val="851035331"/>
+      </p:ext>
+    </p:extLst>
+  </p:cSld>
+  <p:clrMapOvr>
+    <a:masterClrMapping/>
+  </p:clrMapOvr>
+</p:sld>
+</file>
+
+<file path=ppt/slides/slide12.xml><?xml version="1.0" encoding="utf-8"?>
+<p:sld xmlns:a="http://schemas.openxmlformats.org/drawingml/2006/main" xmlns:r="http://schemas.openxmlformats.org/officeDocument/2006/relationships" xmlns:p="http://schemas.openxmlformats.org/presentationml/2006/main">
+  <p:cSld>
+    <p:spTree>
+      <p:nvGrpSpPr>
+        <p:cNvPr id="1" name=""/>
+        <p:cNvGrpSpPr/>
+        <p:nvPr/>
+      </p:nvGrpSpPr>
+      <p:grpSpPr>
+        <a:xfrm>
+          <a:off x="0" y="0"/>
+          <a:ext cx="0" cy="0"/>
+          <a:chOff x="0" y="0"/>
+          <a:chExt cx="0" cy="0"/>
+        </a:xfrm>
+      </p:grpSpPr>
+      <p:sp>
+        <p:nvSpPr>
+          <p:cNvPr id="2" name="Title 1">
+            <a:extLst>
+              <a:ext uri="{FF2B5EF4-FFF2-40B4-BE49-F238E27FC236}">
                 <a16:creationId xmlns:a16="http://schemas.microsoft.com/office/drawing/2014/main" id="{28EAEF14-7E4F-7631-FF62-9C5EAB5C8B07}"/>
               </a:ext>
             </a:extLst>
@@ -4163,7 +4335,7 @@
 </p:sld>
 </file>
 
-<file path=ppt/slides/slide12.xml><?xml version="1.0" encoding="utf-8"?>
+<file path=ppt/slides/slide13.xml><?xml version="1.0" encoding="utf-8"?>
 <p:sld xmlns:a="http://schemas.openxmlformats.org/drawingml/2006/main" xmlns:r="http://schemas.openxmlformats.org/officeDocument/2006/relationships" xmlns:p="http://schemas.openxmlformats.org/presentationml/2006/main">
   <p:cSld>
     <p:spTree>
@@ -4418,10 +4590,10 @@
       </p:grpSpPr>
       <p:sp>
         <p:nvSpPr>
-          <p:cNvPr id="4" name="Title 3">
-            <a:extLst>
-              <a:ext uri="{FF2B5EF4-FFF2-40B4-BE49-F238E27FC236}">
-                <a16:creationId xmlns:a16="http://schemas.microsoft.com/office/drawing/2014/main" id="{253F017F-9395-4179-77BD-8B3C21104889}"/>
+          <p:cNvPr id="2" name="Title 1">
+            <a:extLst>
+              <a:ext uri="{FF2B5EF4-FFF2-40B4-BE49-F238E27FC236}">
+                <a16:creationId xmlns:a16="http://schemas.microsoft.com/office/drawing/2014/main" id="{EA57FF3E-BFBC-30DC-7FB0-D535535EB38C}"/>
               </a:ext>
             </a:extLst>
           </p:cNvPr>
@@ -4438,42 +4610,104 @@
           <a:lstStyle/>
           <a:p>
             <a:r>
-              <a:rPr lang="en-GB" dirty="0"/>
-              <a:t>ID Document prebuilt model</a:t>
-            </a:r>
+              <a:rPr lang="en-IE" dirty="0"/>
+              <a:t>Overview</a:t>
+            </a:r>
+          </a:p>
+        </p:txBody>
+      </p:sp>
+      <p:sp>
+        <p:nvSpPr>
+          <p:cNvPr id="3" name="Content Placeholder 2">
+            <a:extLst>
+              <a:ext uri="{FF2B5EF4-FFF2-40B4-BE49-F238E27FC236}">
+                <a16:creationId xmlns:a16="http://schemas.microsoft.com/office/drawing/2014/main" id="{862A01F2-BEDE-76A5-DAC8-520AE2E611F3}"/>
+              </a:ext>
+            </a:extLst>
+          </p:cNvPr>
+          <p:cNvSpPr>
+            <a:spLocks noGrp="1"/>
+          </p:cNvSpPr>
+          <p:nvPr>
+            <p:ph idx="1"/>
+          </p:nvPr>
+        </p:nvSpPr>
+        <p:spPr>
+          <a:xfrm>
+            <a:off x="838200" y="1825625"/>
+            <a:ext cx="5093296" cy="4351338"/>
+          </a:xfrm>
+        </p:spPr>
+        <p:txBody>
+          <a:bodyPr/>
+          <a:lstStyle/>
+          <a:p>
             <a:endParaRPr lang="en-IE" dirty="0"/>
           </a:p>
-        </p:txBody>
-      </p:sp>
-      <p:sp>
-        <p:nvSpPr>
-          <p:cNvPr id="5" name="Text Placeholder 4">
-            <a:extLst>
-              <a:ext uri="{FF2B5EF4-FFF2-40B4-BE49-F238E27FC236}">
-                <a16:creationId xmlns:a16="http://schemas.microsoft.com/office/drawing/2014/main" id="{03644238-C02B-2F7A-97D4-AF66C6AEDED3}"/>
-              </a:ext>
-            </a:extLst>
-          </p:cNvPr>
-          <p:cNvSpPr>
-            <a:spLocks noGrp="1"/>
-          </p:cNvSpPr>
-          <p:nvPr>
-            <p:ph type="body" idx="1"/>
-          </p:nvPr>
-        </p:nvSpPr>
-        <p:spPr/>
-        <p:txBody>
-          <a:bodyPr/>
-          <a:lstStyle/>
-          <a:p>
-            <a:endParaRPr lang="en-IE"/>
-          </a:p>
-        </p:txBody>
-      </p:sp>
+          <a:p>
+            <a:r>
+              <a:rPr lang="en-IE" dirty="0">
+                <a:hlinkClick r:id="rId3"/>
+              </a:rPr>
+              <a:t>Link </a:t>
+            </a:r>
+            <a:endParaRPr lang="en-IE" dirty="0"/>
+          </a:p>
+          <a:p>
+            <a:r>
+              <a:rPr lang="en-IE" dirty="0">
+                <a:hlinkClick r:id="rId4"/>
+              </a:rPr>
+              <a:t>Pricing</a:t>
+            </a:r>
+            <a:endParaRPr lang="en-IE" dirty="0"/>
+          </a:p>
+          <a:p>
+            <a:endParaRPr lang="en-IE" dirty="0"/>
+          </a:p>
+        </p:txBody>
+      </p:sp>
+      <p:pic>
+        <p:nvPicPr>
+          <p:cNvPr id="5" name="Picture 4">
+            <a:extLst>
+              <a:ext uri="{FF2B5EF4-FFF2-40B4-BE49-F238E27FC236}">
+                <a16:creationId xmlns:a16="http://schemas.microsoft.com/office/drawing/2014/main" id="{FB146AB4-81D4-8948-8962-C9BDB3F8BC40}"/>
+              </a:ext>
+            </a:extLst>
+          </p:cNvPr>
+          <p:cNvPicPr>
+            <a:picLocks noChangeAspect="1"/>
+          </p:cNvPicPr>
+          <p:nvPr/>
+        </p:nvPicPr>
+        <p:blipFill>
+          <a:blip r:embed="rId5"/>
+          <a:stretch>
+            <a:fillRect/>
+          </a:stretch>
+        </p:blipFill>
+        <p:spPr>
+          <a:xfrm>
+            <a:off x="6260505" y="365125"/>
+            <a:ext cx="5179964" cy="6230304"/>
+          </a:xfrm>
+          <a:prstGeom prst="rect">
+            <a:avLst/>
+          </a:prstGeom>
+          <a:effectLst>
+            <a:outerShdw blurRad="50800" dist="38100" dir="2700000" algn="tl" rotWithShape="0">
+              <a:prstClr val="black">
+                <a:alpha val="40000"/>
+              </a:prstClr>
+            </a:outerShdw>
+          </a:effectLst>
+        </p:spPr>
+      </p:pic>
     </p:spTree>
     <p:extLst>
       <p:ext uri="{BB962C8B-B14F-4D97-AF65-F5344CB8AC3E}">
-        <p14:creationId xmlns:p14="http://schemas.microsoft.com/office/powerpoint/2010/main" val="3150874886"/>
+        <p14:creationId xmlns:p14="http://schemas.microsoft.com/office/powerpoint/2010/main" val="1891220977"/>
       </p:ext>
     </p:extLst>
   </p:cSld>
@@ -4505,6 +4739,90 @@
           <p:cNvPr id="4" name="Title 3">
             <a:extLst>
               <a:ext uri="{FF2B5EF4-FFF2-40B4-BE49-F238E27FC236}">
+                <a16:creationId xmlns:a16="http://schemas.microsoft.com/office/drawing/2014/main" id="{253F017F-9395-4179-77BD-8B3C21104889}"/>
+              </a:ext>
+            </a:extLst>
+          </p:cNvPr>
+          <p:cNvSpPr>
+            <a:spLocks noGrp="1"/>
+          </p:cNvSpPr>
+          <p:nvPr>
+            <p:ph type="title"/>
+          </p:nvPr>
+        </p:nvSpPr>
+        <p:spPr/>
+        <p:txBody>
+          <a:bodyPr/>
+          <a:lstStyle/>
+          <a:p>
+            <a:r>
+              <a:rPr lang="en-GB" dirty="0"/>
+              <a:t>ID Document prebuilt model</a:t>
+            </a:r>
+            <a:endParaRPr lang="en-IE" dirty="0"/>
+          </a:p>
+        </p:txBody>
+      </p:sp>
+      <p:sp>
+        <p:nvSpPr>
+          <p:cNvPr id="5" name="Text Placeholder 4">
+            <a:extLst>
+              <a:ext uri="{FF2B5EF4-FFF2-40B4-BE49-F238E27FC236}">
+                <a16:creationId xmlns:a16="http://schemas.microsoft.com/office/drawing/2014/main" id="{03644238-C02B-2F7A-97D4-AF66C6AEDED3}"/>
+              </a:ext>
+            </a:extLst>
+          </p:cNvPr>
+          <p:cNvSpPr>
+            <a:spLocks noGrp="1"/>
+          </p:cNvSpPr>
+          <p:nvPr>
+            <p:ph type="body" idx="1"/>
+          </p:nvPr>
+        </p:nvSpPr>
+        <p:spPr/>
+        <p:txBody>
+          <a:bodyPr/>
+          <a:lstStyle/>
+          <a:p>
+            <a:endParaRPr lang="en-IE"/>
+          </a:p>
+        </p:txBody>
+      </p:sp>
+    </p:spTree>
+    <p:extLst>
+      <p:ext uri="{BB962C8B-B14F-4D97-AF65-F5344CB8AC3E}">
+        <p14:creationId xmlns:p14="http://schemas.microsoft.com/office/powerpoint/2010/main" val="3150874886"/>
+      </p:ext>
+    </p:extLst>
+  </p:cSld>
+  <p:clrMapOvr>
+    <a:masterClrMapping/>
+  </p:clrMapOvr>
+</p:sld>
+</file>
+
+<file path=ppt/slides/slide5.xml><?xml version="1.0" encoding="utf-8"?>
+<p:sld xmlns:a="http://schemas.openxmlformats.org/drawingml/2006/main" xmlns:r="http://schemas.openxmlformats.org/officeDocument/2006/relationships" xmlns:p="http://schemas.openxmlformats.org/presentationml/2006/main">
+  <p:cSld>
+    <p:spTree>
+      <p:nvGrpSpPr>
+        <p:cNvPr id="1" name=""/>
+        <p:cNvGrpSpPr/>
+        <p:nvPr/>
+      </p:nvGrpSpPr>
+      <p:grpSpPr>
+        <a:xfrm>
+          <a:off x="0" y="0"/>
+          <a:ext cx="0" cy="0"/>
+          <a:chOff x="0" y="0"/>
+          <a:chExt cx="0" cy="0"/>
+        </a:xfrm>
+      </p:grpSpPr>
+      <p:sp>
+        <p:nvSpPr>
+          <p:cNvPr id="4" name="Title 3">
+            <a:extLst>
+              <a:ext uri="{FF2B5EF4-FFF2-40B4-BE49-F238E27FC236}">
                 <a16:creationId xmlns:a16="http://schemas.microsoft.com/office/drawing/2014/main" id="{9B6DFE35-D955-0215-32B9-AA3E9AF84B61}"/>
               </a:ext>
             </a:extLst>
@@ -4586,7 +4904,7 @@
 </p:sld>
 </file>
 
-<file path=ppt/slides/slide5.xml><?xml version="1.0" encoding="utf-8"?>
+<file path=ppt/slides/slide6.xml><?xml version="1.0" encoding="utf-8"?>
 <p:sld xmlns:a="http://schemas.openxmlformats.org/drawingml/2006/main" xmlns:r="http://schemas.openxmlformats.org/officeDocument/2006/relationships" xmlns:p="http://schemas.openxmlformats.org/presentationml/2006/main">
   <p:cSld>
     <p:spTree>
@@ -4709,7 +5027,7 @@
 </p:sld>
 </file>
 
-<file path=ppt/slides/slide6.xml><?xml version="1.0" encoding="utf-8"?>
+<file path=ppt/slides/slide7.xml><?xml version="1.0" encoding="utf-8"?>
 <p:sld xmlns:a="http://schemas.openxmlformats.org/drawingml/2006/main" xmlns:r="http://schemas.openxmlformats.org/officeDocument/2006/relationships" xmlns:p="http://schemas.openxmlformats.org/presentationml/2006/main">
   <p:cSld>
     <p:spTree>
@@ -5097,238 +5415,6 @@
 </p:sld>
 </file>
 
-<file path=ppt/slides/slide7.xml><?xml version="1.0" encoding="utf-8"?>
-<p:sld xmlns:a="http://schemas.openxmlformats.org/drawingml/2006/main" xmlns:r="http://schemas.openxmlformats.org/officeDocument/2006/relationships" xmlns:p="http://schemas.openxmlformats.org/presentationml/2006/main">
-  <p:cSld>
-    <p:spTree>
-      <p:nvGrpSpPr>
-        <p:cNvPr id="1" name=""/>
-        <p:cNvGrpSpPr/>
-        <p:nvPr/>
-      </p:nvGrpSpPr>
-      <p:grpSpPr>
-        <a:xfrm>
-          <a:off x="0" y="0"/>
-          <a:ext cx="0" cy="0"/>
-          <a:chOff x="0" y="0"/>
-          <a:chExt cx="0" cy="0"/>
-        </a:xfrm>
-      </p:grpSpPr>
-      <p:sp>
-        <p:nvSpPr>
-          <p:cNvPr id="2" name="Title 1">
-            <a:extLst>
-              <a:ext uri="{FF2B5EF4-FFF2-40B4-BE49-F238E27FC236}">
-                <a16:creationId xmlns:a16="http://schemas.microsoft.com/office/drawing/2014/main" id="{C8BF1CF2-D383-D738-3B8A-2F7D1879605A}"/>
-              </a:ext>
-            </a:extLst>
-          </p:cNvPr>
-          <p:cNvSpPr>
-            <a:spLocks noGrp="1"/>
-          </p:cNvSpPr>
-          <p:nvPr>
-            <p:ph type="title"/>
-          </p:nvPr>
-        </p:nvSpPr>
-        <p:spPr/>
-        <p:txBody>
-          <a:bodyPr/>
-          <a:lstStyle/>
-          <a:p>
-            <a:r>
-              <a:rPr lang="en-GB" dirty="0"/>
-              <a:t>Greek Driving License</a:t>
-            </a:r>
-            <a:endParaRPr lang="en-IE" dirty="0"/>
-          </a:p>
-        </p:txBody>
-      </p:sp>
-      <p:pic>
-        <p:nvPicPr>
-          <p:cNvPr id="5" name="Content Placeholder 4" descr="A person's photo on a passport&#10;&#10;Description automatically generated">
-            <a:extLst>
-              <a:ext uri="{FF2B5EF4-FFF2-40B4-BE49-F238E27FC236}">
-                <a16:creationId xmlns:a16="http://schemas.microsoft.com/office/drawing/2014/main" id="{85EA21EB-210E-3382-15D2-82B8CF6A9B56}"/>
-              </a:ext>
-            </a:extLst>
-          </p:cNvPr>
-          <p:cNvPicPr>
-            <a:picLocks noGrp="1" noChangeAspect="1"/>
-          </p:cNvPicPr>
-          <p:nvPr>
-            <p:ph idx="1"/>
-          </p:nvPr>
-        </p:nvPicPr>
-        <p:blipFill>
-          <a:blip r:embed="rId2">
-            <a:extLst>
-              <a:ext uri="{28A0092B-C50C-407E-A947-70E740481C1C}">
-                <a14:useLocalDpi xmlns:a14="http://schemas.microsoft.com/office/drawing/2010/main" val="0"/>
-              </a:ext>
-            </a:extLst>
-          </a:blip>
-          <a:stretch>
-            <a:fillRect/>
-          </a:stretch>
-        </p:blipFill>
-        <p:spPr>
-          <a:xfrm>
-            <a:off x="6178296" y="2360676"/>
-            <a:ext cx="5599164" cy="3482340"/>
-          </a:xfrm>
-        </p:spPr>
-      </p:pic>
-      <p:sp>
-        <p:nvSpPr>
-          <p:cNvPr id="6" name="TextBox 5">
-            <a:extLst>
-              <a:ext uri="{FF2B5EF4-FFF2-40B4-BE49-F238E27FC236}">
-                <a16:creationId xmlns:a16="http://schemas.microsoft.com/office/drawing/2014/main" id="{34BDDFCD-7C65-6D6D-3AC3-96372FA459A0}"/>
-              </a:ext>
-            </a:extLst>
-          </p:cNvPr>
-          <p:cNvSpPr txBox="1"/>
-          <p:nvPr/>
-        </p:nvSpPr>
-        <p:spPr>
-          <a:xfrm>
-            <a:off x="371605" y="1998113"/>
-            <a:ext cx="5468112" cy="2308324"/>
-          </a:xfrm>
-          <a:prstGeom prst="rect">
-            <a:avLst/>
-          </a:prstGeom>
-          <a:noFill/>
-        </p:spPr>
-        <p:txBody>
-          <a:bodyPr wrap="square" rtlCol="0">
-            <a:spAutoFit/>
-          </a:bodyPr>
-          <a:lstStyle/>
-          <a:p>
-            <a:r>
-              <a:rPr lang="en-IE" dirty="0"/>
-              <a:t>Will need to specify the </a:t>
-            </a:r>
-            <a:r>
-              <a:rPr lang="en-IE" dirty="0">
-                <a:hlinkClick r:id="rId3" action="ppaction://hlinkfile"/>
-              </a:rPr>
-              <a:t>correct locale</a:t>
-            </a:r>
-            <a:r>
-              <a:rPr lang="en-IE" dirty="0"/>
-              <a:t>:</a:t>
-            </a:r>
-          </a:p>
-          <a:p>
-            <a:r>
-              <a:rPr lang="en-IE" b="0" dirty="0" err="1">
-                <a:solidFill>
-                  <a:srgbClr val="9CDCFE"/>
-                </a:solidFill>
-                <a:effectLst/>
-                <a:latin typeface="Consolas" panose="020B0609020204030204" pitchFamily="49" charset="0"/>
-              </a:rPr>
-              <a:t>fr_locale</a:t>
-            </a:r>
-            <a:r>
-              <a:rPr lang="en-IE" b="0" dirty="0">
-                <a:solidFill>
-                  <a:srgbClr val="D4D4D4"/>
-                </a:solidFill>
-                <a:effectLst/>
-                <a:latin typeface="Consolas" panose="020B0609020204030204" pitchFamily="49" charset="0"/>
-              </a:rPr>
-              <a:t>=</a:t>
-            </a:r>
-            <a:r>
-              <a:rPr lang="en-IE" b="0" dirty="0">
-                <a:solidFill>
-                  <a:srgbClr val="CE9178"/>
-                </a:solidFill>
-                <a:effectLst/>
-                <a:latin typeface="Consolas" panose="020B0609020204030204" pitchFamily="49" charset="0"/>
-              </a:rPr>
-              <a:t>"</a:t>
-            </a:r>
-            <a:r>
-              <a:rPr lang="en-IE" b="0" dirty="0" err="1">
-                <a:solidFill>
-                  <a:srgbClr val="CE9178"/>
-                </a:solidFill>
-                <a:effectLst/>
-                <a:latin typeface="Consolas" panose="020B0609020204030204" pitchFamily="49" charset="0"/>
-              </a:rPr>
-              <a:t>el</a:t>
-            </a:r>
-            <a:r>
-              <a:rPr lang="en-IE" b="0" dirty="0">
-                <a:solidFill>
-                  <a:srgbClr val="CE9178"/>
-                </a:solidFill>
-                <a:effectLst/>
-                <a:latin typeface="Consolas" panose="020B0609020204030204" pitchFamily="49" charset="0"/>
-              </a:rPr>
-              <a:t>"</a:t>
-            </a:r>
-            <a:endParaRPr lang="en-IE" b="0" dirty="0">
-              <a:solidFill>
-                <a:srgbClr val="CCCCCC"/>
-              </a:solidFill>
-              <a:effectLst/>
-              <a:latin typeface="Consolas" panose="020B0609020204030204" pitchFamily="49" charset="0"/>
-            </a:endParaRPr>
-          </a:p>
-          <a:p>
-            <a:endParaRPr lang="en-IE" dirty="0"/>
-          </a:p>
-          <a:p>
-            <a:r>
-              <a:rPr lang="en-GB" dirty="0"/>
-              <a:t>First Name: ΙΩΑΝΝΟΥ IOANNOU confidence: 0.649</a:t>
-            </a:r>
-          </a:p>
-          <a:p>
-            <a:r>
-              <a:rPr lang="en-GB" dirty="0"/>
-              <a:t>Last Name: ΓΕΩΡΓΙΟΣ GEORGIOS confidence: 0.622</a:t>
-            </a:r>
-          </a:p>
-          <a:p>
-            <a:r>
-              <a:rPr lang="en-GB" dirty="0"/>
-              <a:t>Document Number: 123456789&lt;A confidence: 0.859</a:t>
-            </a:r>
-          </a:p>
-          <a:p>
-            <a:r>
-              <a:rPr lang="en-GB" dirty="0"/>
-              <a:t>Date of Birth: 1975-05-15 has confidence: 0.858</a:t>
-            </a:r>
-          </a:p>
-          <a:p>
-            <a:r>
-              <a:rPr lang="en-GB" dirty="0"/>
-              <a:t>Date of Expiration: 2029-02-18 has confidence: 0.86</a:t>
-            </a:r>
-            <a:endParaRPr lang="en-IE" dirty="0"/>
-          </a:p>
-        </p:txBody>
-      </p:sp>
-    </p:spTree>
-    <p:extLst>
-      <p:ext uri="{BB962C8B-B14F-4D97-AF65-F5344CB8AC3E}">
-        <p14:creationId xmlns:p14="http://schemas.microsoft.com/office/powerpoint/2010/main" val="2243806135"/>
-      </p:ext>
-    </p:extLst>
-  </p:cSld>
-  <p:clrMapOvr>
-    <a:masterClrMapping/>
-  </p:clrMapOvr>
-</p:sld>
-</file>
-
 <file path=ppt/slides/slide8.xml><?xml version="1.0" encoding="utf-8"?>
 <p:sld xmlns:a="http://schemas.openxmlformats.org/drawingml/2006/main" xmlns:r="http://schemas.openxmlformats.org/officeDocument/2006/relationships" xmlns:p="http://schemas.openxmlformats.org/presentationml/2006/main">
   <p:cSld>
@@ -5351,7 +5437,7 @@
           <p:cNvPr id="2" name="Title 1">
             <a:extLst>
               <a:ext uri="{FF2B5EF4-FFF2-40B4-BE49-F238E27FC236}">
-                <a16:creationId xmlns:a16="http://schemas.microsoft.com/office/drawing/2014/main" id="{13EA5D51-7AE6-AAA4-9E17-29353702278C}"/>
+                <a16:creationId xmlns:a16="http://schemas.microsoft.com/office/drawing/2014/main" id="{C8BF1CF2-D383-D738-3B8A-2F7D1879605A}"/>
               </a:ext>
             </a:extLst>
           </p:cNvPr>
@@ -5368,45 +5454,182 @@
           <a:lstStyle/>
           <a:p>
             <a:r>
+              <a:rPr lang="en-GB" dirty="0"/>
+              <a:t>Greek Driving License</a:t>
+            </a:r>
+            <a:endParaRPr lang="en-IE" dirty="0"/>
+          </a:p>
+        </p:txBody>
+      </p:sp>
+      <p:pic>
+        <p:nvPicPr>
+          <p:cNvPr id="5" name="Content Placeholder 4" descr="A person's photo on a passport&#10;&#10;Description automatically generated">
+            <a:extLst>
+              <a:ext uri="{FF2B5EF4-FFF2-40B4-BE49-F238E27FC236}">
+                <a16:creationId xmlns:a16="http://schemas.microsoft.com/office/drawing/2014/main" id="{85EA21EB-210E-3382-15D2-82B8CF6A9B56}"/>
+              </a:ext>
+            </a:extLst>
+          </p:cNvPr>
+          <p:cNvPicPr>
+            <a:picLocks noGrp="1" noChangeAspect="1"/>
+          </p:cNvPicPr>
+          <p:nvPr>
+            <p:ph idx="1"/>
+          </p:nvPr>
+        </p:nvPicPr>
+        <p:blipFill>
+          <a:blip r:embed="rId2">
+            <a:extLst>
+              <a:ext uri="{28A0092B-C50C-407E-A947-70E740481C1C}">
+                <a14:useLocalDpi xmlns:a14="http://schemas.microsoft.com/office/drawing/2010/main" val="0"/>
+              </a:ext>
+            </a:extLst>
+          </a:blip>
+          <a:stretch>
+            <a:fillRect/>
+          </a:stretch>
+        </p:blipFill>
+        <p:spPr>
+          <a:xfrm>
+            <a:off x="6178296" y="2360676"/>
+            <a:ext cx="5599164" cy="3482340"/>
+          </a:xfrm>
+        </p:spPr>
+      </p:pic>
+      <p:sp>
+        <p:nvSpPr>
+          <p:cNvPr id="6" name="TextBox 5">
+            <a:extLst>
+              <a:ext uri="{FF2B5EF4-FFF2-40B4-BE49-F238E27FC236}">
+                <a16:creationId xmlns:a16="http://schemas.microsoft.com/office/drawing/2014/main" id="{34BDDFCD-7C65-6D6D-3AC3-96372FA459A0}"/>
+              </a:ext>
+            </a:extLst>
+          </p:cNvPr>
+          <p:cNvSpPr txBox="1"/>
+          <p:nvPr/>
+        </p:nvSpPr>
+        <p:spPr>
+          <a:xfrm>
+            <a:off x="371605" y="1998113"/>
+            <a:ext cx="5468112" cy="2308324"/>
+          </a:xfrm>
+          <a:prstGeom prst="rect">
+            <a:avLst/>
+          </a:prstGeom>
+          <a:noFill/>
+        </p:spPr>
+        <p:txBody>
+          <a:bodyPr wrap="square" rtlCol="0">
+            <a:spAutoFit/>
+          </a:bodyPr>
+          <a:lstStyle/>
+          <a:p>
+            <a:r>
               <a:rPr lang="en-IE" dirty="0"/>
-              <a:t>Custom Document Format</a:t>
-            </a:r>
-          </a:p>
-        </p:txBody>
-      </p:sp>
-      <p:sp>
-        <p:nvSpPr>
-          <p:cNvPr id="3" name="Content Placeholder 2">
-            <a:extLst>
-              <a:ext uri="{FF2B5EF4-FFF2-40B4-BE49-F238E27FC236}">
-                <a16:creationId xmlns:a16="http://schemas.microsoft.com/office/drawing/2014/main" id="{20C28314-54CB-9328-7F33-8973D2D77081}"/>
-              </a:ext>
-            </a:extLst>
-          </p:cNvPr>
-          <p:cNvSpPr>
-            <a:spLocks noGrp="1"/>
-          </p:cNvSpPr>
-          <p:nvPr>
-            <p:ph idx="1"/>
-          </p:nvPr>
-        </p:nvSpPr>
-        <p:spPr/>
-        <p:txBody>
-          <a:bodyPr/>
-          <a:lstStyle/>
+              <a:t>Will need to specify the </a:t>
+            </a:r>
+            <a:r>
+              <a:rPr lang="en-IE" dirty="0">
+                <a:hlinkClick r:id="rId3" action="ppaction://hlinkfile"/>
+              </a:rPr>
+              <a:t>correct locale</a:t>
+            </a:r>
+            <a:r>
+              <a:rPr lang="en-IE" dirty="0"/>
+              <a:t>:</a:t>
+            </a:r>
+          </a:p>
+          <a:p>
+            <a:r>
+              <a:rPr lang="en-IE" b="0" dirty="0" err="1">
+                <a:solidFill>
+                  <a:srgbClr val="9CDCFE"/>
+                </a:solidFill>
+                <a:effectLst/>
+                <a:latin typeface="Consolas" panose="020B0609020204030204" pitchFamily="49" charset="0"/>
+              </a:rPr>
+              <a:t>fr_locale</a:t>
+            </a:r>
+            <a:r>
+              <a:rPr lang="en-IE" b="0" dirty="0">
+                <a:solidFill>
+                  <a:srgbClr val="D4D4D4"/>
+                </a:solidFill>
+                <a:effectLst/>
+                <a:latin typeface="Consolas" panose="020B0609020204030204" pitchFamily="49" charset="0"/>
+              </a:rPr>
+              <a:t>=</a:t>
+            </a:r>
+            <a:r>
+              <a:rPr lang="en-IE" b="0" dirty="0">
+                <a:solidFill>
+                  <a:srgbClr val="CE9178"/>
+                </a:solidFill>
+                <a:effectLst/>
+                <a:latin typeface="Consolas" panose="020B0609020204030204" pitchFamily="49" charset="0"/>
+              </a:rPr>
+              <a:t>"</a:t>
+            </a:r>
+            <a:r>
+              <a:rPr lang="en-IE" b="0" dirty="0" err="1">
+                <a:solidFill>
+                  <a:srgbClr val="CE9178"/>
+                </a:solidFill>
+                <a:effectLst/>
+                <a:latin typeface="Consolas" panose="020B0609020204030204" pitchFamily="49" charset="0"/>
+              </a:rPr>
+              <a:t>el</a:t>
+            </a:r>
+            <a:r>
+              <a:rPr lang="en-IE" b="0" dirty="0">
+                <a:solidFill>
+                  <a:srgbClr val="CE9178"/>
+                </a:solidFill>
+                <a:effectLst/>
+                <a:latin typeface="Consolas" panose="020B0609020204030204" pitchFamily="49" charset="0"/>
+              </a:rPr>
+              <a:t>"</a:t>
+            </a:r>
+            <a:endParaRPr lang="en-IE" b="0" dirty="0">
+              <a:solidFill>
+                <a:srgbClr val="CCCCCC"/>
+              </a:solidFill>
+              <a:effectLst/>
+              <a:latin typeface="Consolas" panose="020B0609020204030204" pitchFamily="49" charset="0"/>
+            </a:endParaRPr>
+          </a:p>
           <a:p>
             <a:endParaRPr lang="en-IE" dirty="0"/>
           </a:p>
           <a:p>
             <a:r>
-              <a:rPr lang="en-IE" dirty="0">
-                <a:hlinkClick r:id="rId2"/>
-              </a:rPr>
-              <a:t>Step by step guide</a:t>
-            </a:r>
-            <a:endParaRPr lang="en-IE" dirty="0"/>
-          </a:p>
-          <a:p>
+              <a:rPr lang="en-GB" dirty="0"/>
+              <a:t>First Name: ΙΩΑΝΝΟΥ IOANNOU confidence: 0.649</a:t>
+            </a:r>
+          </a:p>
+          <a:p>
+            <a:r>
+              <a:rPr lang="en-GB" dirty="0"/>
+              <a:t>Last Name: ΓΕΩΡΓΙΟΣ GEORGIOS confidence: 0.622</a:t>
+            </a:r>
+          </a:p>
+          <a:p>
+            <a:r>
+              <a:rPr lang="en-GB" dirty="0"/>
+              <a:t>Document Number: 123456789&lt;A confidence: 0.859</a:t>
+            </a:r>
+          </a:p>
+          <a:p>
+            <a:r>
+              <a:rPr lang="en-GB" dirty="0"/>
+              <a:t>Date of Birth: 1975-05-15 has confidence: 0.858</a:t>
+            </a:r>
+          </a:p>
+          <a:p>
+            <a:r>
+              <a:rPr lang="en-GB" dirty="0"/>
+              <a:t>Date of Expiration: 2029-02-18 has confidence: 0.86</a:t>
+            </a:r>
             <a:endParaRPr lang="en-IE" dirty="0"/>
           </a:p>
         </p:txBody>
@@ -5414,7 +5637,7 @@
     </p:spTree>
     <p:extLst>
       <p:ext uri="{BB962C8B-B14F-4D97-AF65-F5344CB8AC3E}">
-        <p14:creationId xmlns:p14="http://schemas.microsoft.com/office/powerpoint/2010/main" val="1648843436"/>
+        <p14:creationId xmlns:p14="http://schemas.microsoft.com/office/powerpoint/2010/main" val="2243806135"/>
       </p:ext>
     </p:extLst>
   </p:cSld>
@@ -5443,10 +5666,10 @@
       </p:grpSpPr>
       <p:sp>
         <p:nvSpPr>
-          <p:cNvPr id="4" name="Title 3">
-            <a:extLst>
-              <a:ext uri="{FF2B5EF4-FFF2-40B4-BE49-F238E27FC236}">
-                <a16:creationId xmlns:a16="http://schemas.microsoft.com/office/drawing/2014/main" id="{A05937B1-F7DB-F4BA-9C63-FBBC769B0D6B}"/>
+          <p:cNvPr id="2" name="Title 1">
+            <a:extLst>
+              <a:ext uri="{FF2B5EF4-FFF2-40B4-BE49-F238E27FC236}">
+                <a16:creationId xmlns:a16="http://schemas.microsoft.com/office/drawing/2014/main" id="{13EA5D51-7AE6-AAA4-9E17-29353702278C}"/>
               </a:ext>
             </a:extLst>
           </p:cNvPr>
@@ -5464,40 +5687,52 @@
           <a:p>
             <a:r>
               <a:rPr lang="en-IE" dirty="0"/>
-              <a:t>Number Plate Recognition</a:t>
-            </a:r>
-          </a:p>
-        </p:txBody>
-      </p:sp>
-      <p:sp>
-        <p:nvSpPr>
-          <p:cNvPr id="5" name="Text Placeholder 4">
-            <a:extLst>
-              <a:ext uri="{FF2B5EF4-FFF2-40B4-BE49-F238E27FC236}">
-                <a16:creationId xmlns:a16="http://schemas.microsoft.com/office/drawing/2014/main" id="{057288FF-278B-60C3-F8C6-FAFCFBADCA12}"/>
-              </a:ext>
-            </a:extLst>
-          </p:cNvPr>
-          <p:cNvSpPr>
-            <a:spLocks noGrp="1"/>
-          </p:cNvSpPr>
-          <p:nvPr>
-            <p:ph type="body" idx="1"/>
-          </p:nvPr>
-        </p:nvSpPr>
-        <p:spPr/>
-        <p:txBody>
-          <a:bodyPr/>
-          <a:lstStyle/>
-          <a:p>
-            <a:endParaRPr lang="en-IE"/>
+              <a:t>Custom Document Format</a:t>
+            </a:r>
+          </a:p>
+        </p:txBody>
+      </p:sp>
+      <p:sp>
+        <p:nvSpPr>
+          <p:cNvPr id="3" name="Content Placeholder 2">
+            <a:extLst>
+              <a:ext uri="{FF2B5EF4-FFF2-40B4-BE49-F238E27FC236}">
+                <a16:creationId xmlns:a16="http://schemas.microsoft.com/office/drawing/2014/main" id="{20C28314-54CB-9328-7F33-8973D2D77081}"/>
+              </a:ext>
+            </a:extLst>
+          </p:cNvPr>
+          <p:cNvSpPr>
+            <a:spLocks noGrp="1"/>
+          </p:cNvSpPr>
+          <p:nvPr>
+            <p:ph idx="1"/>
+          </p:nvPr>
+        </p:nvSpPr>
+        <p:spPr/>
+        <p:txBody>
+          <a:bodyPr/>
+          <a:lstStyle/>
+          <a:p>
+            <a:endParaRPr lang="en-IE" dirty="0"/>
+          </a:p>
+          <a:p>
+            <a:r>
+              <a:rPr lang="en-IE" dirty="0">
+                <a:hlinkClick r:id="rId2"/>
+              </a:rPr>
+              <a:t>Step by step guide</a:t>
+            </a:r>
+            <a:endParaRPr lang="en-IE" dirty="0"/>
+          </a:p>
+          <a:p>
+            <a:endParaRPr lang="en-IE" dirty="0"/>
           </a:p>
         </p:txBody>
       </p:sp>
     </p:spTree>
     <p:extLst>
       <p:ext uri="{BB962C8B-B14F-4D97-AF65-F5344CB8AC3E}">
-        <p14:creationId xmlns:p14="http://schemas.microsoft.com/office/powerpoint/2010/main" val="1669565914"/>
+        <p14:creationId xmlns:p14="http://schemas.microsoft.com/office/powerpoint/2010/main" val="1648843436"/>
       </p:ext>
     </p:extLst>
   </p:cSld>
